--- a/Python01.pptx
+++ b/Python01.pptx
@@ -27,35 +27,36 @@
     <p:sldId id="277" r:id="rId22"/>
     <p:sldId id="278" r:id="rId23"/>
     <p:sldId id="280" r:id="rId24"/>
-    <p:sldId id="281" r:id="rId25"/>
-    <p:sldId id="282" r:id="rId26"/>
-    <p:sldId id="283" r:id="rId27"/>
-    <p:sldId id="279" r:id="rId28"/>
-    <p:sldId id="284" r:id="rId29"/>
-    <p:sldId id="285" r:id="rId30"/>
-    <p:sldId id="286" r:id="rId31"/>
-    <p:sldId id="287" r:id="rId32"/>
-    <p:sldId id="288" r:id="rId33"/>
-    <p:sldId id="289" r:id="rId34"/>
-    <p:sldId id="290" r:id="rId35"/>
-    <p:sldId id="291" r:id="rId36"/>
-    <p:sldId id="292" r:id="rId37"/>
-    <p:sldId id="293" r:id="rId38"/>
-    <p:sldId id="294" r:id="rId39"/>
-    <p:sldId id="295" r:id="rId40"/>
-    <p:sldId id="296" r:id="rId41"/>
-    <p:sldId id="297" r:id="rId42"/>
-    <p:sldId id="298" r:id="rId43"/>
-    <p:sldId id="299" r:id="rId44"/>
-    <p:sldId id="300" r:id="rId45"/>
-    <p:sldId id="301" r:id="rId46"/>
-    <p:sldId id="302" r:id="rId47"/>
-    <p:sldId id="303" r:id="rId48"/>
-    <p:sldId id="304" r:id="rId49"/>
-    <p:sldId id="305" r:id="rId50"/>
-    <p:sldId id="306" r:id="rId51"/>
-    <p:sldId id="307" r:id="rId52"/>
-    <p:sldId id="276" r:id="rId53"/>
+    <p:sldId id="311" r:id="rId25"/>
+    <p:sldId id="281" r:id="rId26"/>
+    <p:sldId id="282" r:id="rId27"/>
+    <p:sldId id="283" r:id="rId28"/>
+    <p:sldId id="279" r:id="rId29"/>
+    <p:sldId id="284" r:id="rId30"/>
+    <p:sldId id="285" r:id="rId31"/>
+    <p:sldId id="286" r:id="rId32"/>
+    <p:sldId id="287" r:id="rId33"/>
+    <p:sldId id="288" r:id="rId34"/>
+    <p:sldId id="289" r:id="rId35"/>
+    <p:sldId id="290" r:id="rId36"/>
+    <p:sldId id="291" r:id="rId37"/>
+    <p:sldId id="292" r:id="rId38"/>
+    <p:sldId id="293" r:id="rId39"/>
+    <p:sldId id="294" r:id="rId40"/>
+    <p:sldId id="295" r:id="rId41"/>
+    <p:sldId id="296" r:id="rId42"/>
+    <p:sldId id="297" r:id="rId43"/>
+    <p:sldId id="298" r:id="rId44"/>
+    <p:sldId id="299" r:id="rId45"/>
+    <p:sldId id="300" r:id="rId46"/>
+    <p:sldId id="301" r:id="rId47"/>
+    <p:sldId id="302" r:id="rId48"/>
+    <p:sldId id="303" r:id="rId49"/>
+    <p:sldId id="304" r:id="rId50"/>
+    <p:sldId id="305" r:id="rId51"/>
+    <p:sldId id="306" r:id="rId52"/>
+    <p:sldId id="307" r:id="rId53"/>
+    <p:sldId id="276" r:id="rId54"/>
   </p:sldIdLst>
   <p:sldSz cx="12192000" cy="6858000"/>
   <p:notesSz cx="6858000" cy="9144000"/>
@@ -6318,16 +6319,12 @@
         <p:spPr/>
         <p:txBody>
           <a:bodyPr>
-            <a:normAutofit fontScale="90000"/>
+            <a:normAutofit/>
           </a:bodyPr>
           <a:p>
             <a:r>
-              <a:rPr lang="en-US" altLang="zh-CN"/>
-              <a:t>Q</a:t>
-            </a:r>
-            <a:r>
               <a:rPr lang="zh-CN" altLang="zh-CN"/>
-              <a:t>：当我们画画的时候，需要做哪些准备呢？</a:t>
+              <a:t>提问：当我们画画的时候，需要做哪些准备呢？</a:t>
             </a:r>
             <a:endParaRPr lang="zh-CN" altLang="zh-CN"/>
           </a:p>
@@ -6419,12 +6416,8 @@
           </a:lstStyle>
           <a:p>
             <a:r>
-              <a:rPr lang="en-US" altLang="zh-CN"/>
-              <a:t>Q</a:t>
-            </a:r>
-            <a:r>
               <a:rPr lang="zh-CN" altLang="zh-CN"/>
-              <a:t>：请描述一下画画的过程</a:t>
+              <a:t>提问：请描述一下画画的过程</a:t>
             </a:r>
             <a:endParaRPr lang="zh-CN" altLang="zh-CN"/>
           </a:p>
@@ -6735,93 +6728,59 @@
             <a:spLocks noGrp="1"/>
           </p:cNvSpPr>
           <p:nvPr>
-            <p:ph type="title"/>
-          </p:nvPr>
-        </p:nvSpPr>
-        <p:spPr/>
-        <p:txBody>
-          <a:bodyPr/>
-          <a:p>
-            <a:pPr algn="ctr"/>
-            <a:r>
-              <a:rPr lang="zh-CN" altLang="en-US"/>
-              <a:t>单词速记</a:t>
-            </a:r>
-            <a:endParaRPr lang="zh-CN" altLang="en-US"/>
-          </a:p>
-        </p:txBody>
-      </p:sp>
-      <p:sp>
-        <p:nvSpPr>
-          <p:cNvPr id="3" name="内容占位符 2"/>
-          <p:cNvSpPr>
-            <a:spLocks noGrp="1"/>
-          </p:cNvSpPr>
-          <p:nvPr>
-            <p:ph idx="1"/>
-          </p:nvPr>
-        </p:nvSpPr>
-        <p:spPr/>
-        <p:txBody>
-          <a:bodyPr/>
-          <a:p>
-            <a:pPr algn="ctr"/>
-            <a:r>
-              <a:rPr lang="en-US" altLang="zh-CN"/>
-              <a:t>1.turtle</a:t>
-            </a:r>
-            <a:endParaRPr lang="en-US" altLang="zh-CN"/>
-          </a:p>
-          <a:p>
-            <a:pPr algn="ctr"/>
-            <a:r>
-              <a:rPr lang="en-US" altLang="zh-CN"/>
-              <a:t>2.pen</a:t>
-            </a:r>
-            <a:endParaRPr lang="en-US" altLang="zh-CN"/>
-          </a:p>
-          <a:p>
-            <a:pPr algn="ctr"/>
-            <a:r>
-              <a:rPr lang="en-US" altLang="zh-CN"/>
-              <a:t>3.forward</a:t>
-            </a:r>
-            <a:endParaRPr lang="en-US" altLang="zh-CN"/>
-          </a:p>
-          <a:p>
-            <a:pPr algn="ctr"/>
-            <a:r>
-              <a:rPr lang="en-US" altLang="zh-CN"/>
-              <a:t>4.left</a:t>
-            </a:r>
-            <a:endParaRPr lang="en-US" altLang="zh-CN"/>
-          </a:p>
-          <a:p>
-            <a:pPr algn="ctr"/>
-            <a:r>
-              <a:rPr lang="en-US" altLang="zh-CN"/>
-              <a:t>5.right</a:t>
-            </a:r>
-            <a:endParaRPr lang="en-US" altLang="zh-CN"/>
-          </a:p>
-          <a:p>
-            <a:pPr algn="ctr"/>
-            <a:r>
-              <a:rPr lang="en-US" altLang="zh-CN"/>
-              <a:t>6.up</a:t>
-            </a:r>
-            <a:endParaRPr lang="en-US" altLang="zh-CN"/>
-          </a:p>
-          <a:p>
-            <a:pPr algn="ctr"/>
-            <a:r>
-              <a:rPr lang="en-US" altLang="zh-CN"/>
-              <a:t>7.down</a:t>
-            </a:r>
-            <a:endParaRPr lang="en-US" altLang="zh-CN"/>
-          </a:p>
-        </p:txBody>
-      </p:sp>
+            <p:ph type="ctrTitle"/>
+          </p:nvPr>
+        </p:nvSpPr>
+        <p:spPr/>
+        <p:txBody>
+          <a:bodyPr/>
+          <a:p>
+            <a:endParaRPr lang="zh-CN" altLang="en-US"/>
+          </a:p>
+        </p:txBody>
+      </p:sp>
+      <p:sp>
+        <p:nvSpPr>
+          <p:cNvPr id="3" name="副标题 2"/>
+          <p:cNvSpPr>
+            <a:spLocks noGrp="1"/>
+          </p:cNvSpPr>
+          <p:nvPr>
+            <p:ph type="subTitle" idx="1"/>
+          </p:nvPr>
+        </p:nvSpPr>
+        <p:spPr/>
+        <p:txBody>
+          <a:bodyPr/>
+          <a:p>
+            <a:endParaRPr lang="zh-CN" altLang="en-US"/>
+          </a:p>
+        </p:txBody>
+      </p:sp>
+      <p:pic>
+        <p:nvPicPr>
+          <p:cNvPr id="4" name="图片 3" descr="timg"/>
+          <p:cNvPicPr>
+            <a:picLocks noChangeAspect="1"/>
+          </p:cNvPicPr>
+          <p:nvPr/>
+        </p:nvPicPr>
+        <p:blipFill>
+          <a:blip r:embed="rId1"/>
+          <a:stretch>
+            <a:fillRect/>
+          </a:stretch>
+        </p:blipFill>
+        <p:spPr>
+          <a:xfrm>
+            <a:off x="2552065" y="1950085"/>
+            <a:ext cx="7087870" cy="2324735"/>
+          </a:xfrm>
+          <a:prstGeom prst="rect">
+            <a:avLst/>
+          </a:prstGeom>
+        </p:spPr>
+      </p:pic>
     </p:spTree>
   </p:cSld>
   <p:clrMapOvr>
@@ -6854,9 +6813,10 @@
         <p:txBody>
           <a:bodyPr/>
           <a:p>
+            <a:pPr algn="ctr"/>
             <a:r>
               <a:rPr lang="zh-CN" altLang="en-US"/>
-              <a:t>画笔函数</a:t>
+              <a:t>单词速记</a:t>
             </a:r>
             <a:endParaRPr lang="zh-CN" altLang="en-US"/>
           </a:p>
@@ -6876,106 +6836,60 @@
         <p:txBody>
           <a:bodyPr/>
           <a:p>
+            <a:pPr algn="ctr"/>
             <a:r>
               <a:rPr lang="en-US" altLang="zh-CN"/>
-              <a:t>forward()</a:t>
-            </a:r>
-            <a:r>
-              <a:rPr lang="zh-CN" altLang="en-US"/>
-              <a:t>沿着当前方向前进指定距离</a:t>
-            </a:r>
-            <a:endParaRPr lang="zh-CN" altLang="en-US"/>
-          </a:p>
-          <a:p>
+              <a:t>1.turtle</a:t>
+            </a:r>
+            <a:endParaRPr lang="en-US" altLang="zh-CN"/>
+          </a:p>
+          <a:p>
+            <a:pPr algn="ctr"/>
             <a:r>
               <a:rPr lang="en-US" altLang="zh-CN"/>
-              <a:t>backward()</a:t>
-            </a:r>
-            <a:r>
-              <a:rPr lang="zh-CN" altLang="en-US"/>
-              <a:t>沿着当前方向后退制定距离</a:t>
-            </a:r>
-            <a:endParaRPr lang="zh-CN" altLang="en-US"/>
-          </a:p>
-          <a:p>
+              <a:t>2.pen</a:t>
+            </a:r>
+            <a:endParaRPr lang="en-US" altLang="zh-CN"/>
+          </a:p>
+          <a:p>
+            <a:pPr algn="ctr"/>
             <a:r>
               <a:rPr lang="en-US" altLang="zh-CN"/>
-              <a:t>right()</a:t>
-            </a:r>
-            <a:r>
-              <a:rPr lang="zh-CN" altLang="en-US"/>
-              <a:t>向右旋转角度</a:t>
-            </a:r>
-            <a:endParaRPr lang="zh-CN" altLang="en-US"/>
-          </a:p>
-          <a:p>
+              <a:t>3.forward</a:t>
+            </a:r>
+            <a:endParaRPr lang="en-US" altLang="zh-CN"/>
+          </a:p>
+          <a:p>
+            <a:pPr algn="ctr"/>
             <a:r>
               <a:rPr lang="en-US" altLang="zh-CN"/>
-              <a:t>left()</a:t>
-            </a:r>
-            <a:r>
-              <a:rPr lang="zh-CN" altLang="en-US"/>
-              <a:t>向左旋转角度</a:t>
-            </a:r>
-            <a:endParaRPr lang="zh-CN" altLang="en-US"/>
-          </a:p>
-          <a:p>
-            <a:r>
-              <a:rPr lang="en-US" altLang="zh-CN">
-                <a:sym typeface="+mn-ea"/>
-              </a:rPr>
-              <a:t>speed()</a:t>
-            </a:r>
-            <a:r>
-              <a:rPr lang="zh-CN" altLang="en-US">
-                <a:sym typeface="+mn-ea"/>
-              </a:rPr>
-              <a:t>设置画笔的绘制速度，速度在</a:t>
-            </a:r>
-            <a:r>
-              <a:rPr lang="en-US" altLang="zh-CN">
-                <a:sym typeface="+mn-ea"/>
-              </a:rPr>
-              <a:t>0-10</a:t>
-            </a:r>
-            <a:r>
-              <a:rPr lang="zh-CN" altLang="en-US">
-                <a:sym typeface="+mn-ea"/>
-              </a:rPr>
-              <a:t>之间</a:t>
-            </a:r>
-            <a:endParaRPr lang="zh-CN" altLang="en-US">
-              <a:sym typeface="+mn-ea"/>
-            </a:endParaRPr>
-          </a:p>
-          <a:p>
-            <a:r>
-              <a:rPr lang="en-US" altLang="zh-CN">
-                <a:sym typeface="+mn-ea"/>
-              </a:rPr>
-              <a:t>color()</a:t>
-            </a:r>
-            <a:r>
-              <a:rPr lang="zh-CN" altLang="en-US">
-                <a:sym typeface="+mn-ea"/>
-              </a:rPr>
-              <a:t>设置画笔的颜色</a:t>
-            </a:r>
-            <a:endParaRPr lang="zh-CN" altLang="en-US">
-              <a:sym typeface="+mn-ea"/>
-            </a:endParaRPr>
-          </a:p>
-          <a:p>
-            <a:pPr marL="0" indent="0">
-              <a:buNone/>
-            </a:pPr>
-            <a:endParaRPr lang="zh-CN" altLang="en-US"/>
-          </a:p>
-          <a:p>
-            <a:pPr marL="0" indent="0">
-              <a:buNone/>
-            </a:pPr>
-            <a:endParaRPr lang="zh-CN" altLang="zh-CN"/>
+              <a:t>4.left</a:t>
+            </a:r>
+            <a:endParaRPr lang="en-US" altLang="zh-CN"/>
+          </a:p>
+          <a:p>
+            <a:pPr algn="ctr"/>
+            <a:r>
+              <a:rPr lang="en-US" altLang="zh-CN"/>
+              <a:t>5.right</a:t>
+            </a:r>
+            <a:endParaRPr lang="en-US" altLang="zh-CN"/>
+          </a:p>
+          <a:p>
+            <a:pPr algn="ctr"/>
+            <a:r>
+              <a:rPr lang="en-US" altLang="zh-CN"/>
+              <a:t>6.up</a:t>
+            </a:r>
+            <a:endParaRPr lang="en-US" altLang="zh-CN"/>
+          </a:p>
+          <a:p>
+            <a:pPr algn="ctr"/>
+            <a:r>
+              <a:rPr lang="en-US" altLang="zh-CN"/>
+              <a:t>7.down</a:t>
+            </a:r>
+            <a:endParaRPr lang="en-US" altLang="zh-CN"/>
           </a:p>
         </p:txBody>
       </p:sp>
@@ -7011,6 +6925,10 @@
         <p:txBody>
           <a:bodyPr/>
           <a:p>
+            <a:r>
+              <a:rPr lang="zh-CN" altLang="en-US"/>
+              <a:t>画笔函数</a:t>
+            </a:r>
             <a:endParaRPr lang="zh-CN" altLang="en-US"/>
           </a:p>
         </p:txBody>
@@ -7029,7 +6947,106 @@
         <p:txBody>
           <a:bodyPr/>
           <a:p>
-            <a:endParaRPr lang="zh-CN" altLang="en-US"/>
+            <a:r>
+              <a:rPr lang="en-US" altLang="zh-CN"/>
+              <a:t>forward()</a:t>
+            </a:r>
+            <a:r>
+              <a:rPr lang="zh-CN" altLang="en-US"/>
+              <a:t>沿着当前方向前进指定距离</a:t>
+            </a:r>
+            <a:endParaRPr lang="zh-CN" altLang="en-US"/>
+          </a:p>
+          <a:p>
+            <a:r>
+              <a:rPr lang="en-US" altLang="zh-CN"/>
+              <a:t>backward()</a:t>
+            </a:r>
+            <a:r>
+              <a:rPr lang="zh-CN" altLang="en-US"/>
+              <a:t>沿着当前方向后退制定距离</a:t>
+            </a:r>
+            <a:endParaRPr lang="zh-CN" altLang="en-US"/>
+          </a:p>
+          <a:p>
+            <a:r>
+              <a:rPr lang="en-US" altLang="zh-CN"/>
+              <a:t>right()</a:t>
+            </a:r>
+            <a:r>
+              <a:rPr lang="zh-CN" altLang="en-US"/>
+              <a:t>向右旋转角度</a:t>
+            </a:r>
+            <a:endParaRPr lang="zh-CN" altLang="en-US"/>
+          </a:p>
+          <a:p>
+            <a:r>
+              <a:rPr lang="en-US" altLang="zh-CN"/>
+              <a:t>left()</a:t>
+            </a:r>
+            <a:r>
+              <a:rPr lang="zh-CN" altLang="en-US"/>
+              <a:t>向左旋转角度</a:t>
+            </a:r>
+            <a:endParaRPr lang="zh-CN" altLang="en-US"/>
+          </a:p>
+          <a:p>
+            <a:r>
+              <a:rPr lang="en-US" altLang="zh-CN">
+                <a:sym typeface="+mn-ea"/>
+              </a:rPr>
+              <a:t>speed()</a:t>
+            </a:r>
+            <a:r>
+              <a:rPr lang="zh-CN" altLang="en-US">
+                <a:sym typeface="+mn-ea"/>
+              </a:rPr>
+              <a:t>设置画笔的绘制速度，速度在</a:t>
+            </a:r>
+            <a:r>
+              <a:rPr lang="en-US" altLang="zh-CN">
+                <a:sym typeface="+mn-ea"/>
+              </a:rPr>
+              <a:t>0-10</a:t>
+            </a:r>
+            <a:r>
+              <a:rPr lang="zh-CN" altLang="en-US">
+                <a:sym typeface="+mn-ea"/>
+              </a:rPr>
+              <a:t>之间</a:t>
+            </a:r>
+            <a:endParaRPr lang="zh-CN" altLang="en-US">
+              <a:sym typeface="+mn-ea"/>
+            </a:endParaRPr>
+          </a:p>
+          <a:p>
+            <a:r>
+              <a:rPr lang="en-US" altLang="zh-CN">
+                <a:sym typeface="+mn-ea"/>
+              </a:rPr>
+              <a:t>color()</a:t>
+            </a:r>
+            <a:r>
+              <a:rPr lang="zh-CN" altLang="en-US">
+                <a:sym typeface="+mn-ea"/>
+              </a:rPr>
+              <a:t>设置画笔的颜色</a:t>
+            </a:r>
+            <a:endParaRPr lang="zh-CN" altLang="en-US">
+              <a:sym typeface="+mn-ea"/>
+            </a:endParaRPr>
+          </a:p>
+          <a:p>
+            <a:pPr marL="0" indent="0">
+              <a:buNone/>
+            </a:pPr>
+            <a:endParaRPr lang="zh-CN" altLang="en-US"/>
+          </a:p>
+          <a:p>
+            <a:pPr marL="0" indent="0">
+              <a:buNone/>
+            </a:pPr>
+            <a:endParaRPr lang="zh-CN" altLang="zh-CN"/>
           </a:p>
         </p:txBody>
       </p:sp>
@@ -9744,6 +9761,60 @@
 </file>
 
 <file path=ppt/slides/slide51.xml><?xml version="1.0" encoding="utf-8"?>
+<p:sld xmlns:a="http://schemas.openxmlformats.org/drawingml/2006/main" xmlns:r="http://schemas.openxmlformats.org/officeDocument/2006/relationships" xmlns:p="http://schemas.openxmlformats.org/presentationml/2006/main">
+  <p:cSld>
+    <p:spTree>
+      <p:nvGrpSpPr>
+        <p:cNvPr id="1" name=""/>
+        <p:cNvGrpSpPr/>
+        <p:nvPr/>
+      </p:nvGrpSpPr>
+      <p:grpSpPr/>
+      <p:sp>
+        <p:nvSpPr>
+          <p:cNvPr id="2" name="标题 1"/>
+          <p:cNvSpPr>
+            <a:spLocks noGrp="1"/>
+          </p:cNvSpPr>
+          <p:nvPr>
+            <p:ph type="title"/>
+          </p:nvPr>
+        </p:nvSpPr>
+        <p:spPr/>
+        <p:txBody>
+          <a:bodyPr/>
+          <a:p>
+            <a:endParaRPr lang="zh-CN" altLang="en-US"/>
+          </a:p>
+        </p:txBody>
+      </p:sp>
+      <p:sp>
+        <p:nvSpPr>
+          <p:cNvPr id="3" name="内容占位符 2"/>
+          <p:cNvSpPr>
+            <a:spLocks noGrp="1"/>
+          </p:cNvSpPr>
+          <p:nvPr>
+            <p:ph idx="1"/>
+          </p:nvPr>
+        </p:nvSpPr>
+        <p:spPr/>
+        <p:txBody>
+          <a:bodyPr/>
+          <a:p>
+            <a:endParaRPr lang="zh-CN" altLang="en-US"/>
+          </a:p>
+        </p:txBody>
+      </p:sp>
+    </p:spTree>
+  </p:cSld>
+  <p:clrMapOvr>
+    <a:masterClrMapping/>
+  </p:clrMapOvr>
+</p:sld>
+</file>
+
+<file path=ppt/slides/slide52.xml><?xml version="1.0" encoding="utf-8"?>
 <p:sld xmlns:a="http://schemas.openxmlformats.org/drawingml/2006/main" xmlns:r="http://schemas.openxmlformats.org/officeDocument/2006/relationships" xmlns:p="http://schemas.openxmlformats.org/presentationml/2006/main">
   <p:cSld>
     <p:spTree>
@@ -11259,6 +11330,8 @@
       </a:bgFillStyleLst>
     </a:fmtScheme>
   </a:themeElements>
+  <a:objectDefaults/>
+  <a:extraClrSchemeLst/>
   <a:extLst>
     <a:ext uri="{05A4C25C-085E-4340-85A3-A5531E510DB2}">
       <thm15:themeFamily xmlns:thm15="http://schemas.microsoft.com/office/thememl/2012/main" name="Office Theme" id="{62F939B6-93AF-4DB8-9C6B-D6C7DFDC589F}" vid="{4A3C46E8-61CC-4603-A589-7422A47A8E4A}"/>

--- a/Python01.pptx
+++ b/Python01.pptx
@@ -29,34 +29,35 @@
     <p:sldId id="280" r:id="rId24"/>
     <p:sldId id="311" r:id="rId25"/>
     <p:sldId id="281" r:id="rId26"/>
-    <p:sldId id="282" r:id="rId27"/>
-    <p:sldId id="283" r:id="rId28"/>
-    <p:sldId id="279" r:id="rId29"/>
-    <p:sldId id="284" r:id="rId30"/>
-    <p:sldId id="285" r:id="rId31"/>
-    <p:sldId id="286" r:id="rId32"/>
-    <p:sldId id="287" r:id="rId33"/>
-    <p:sldId id="288" r:id="rId34"/>
-    <p:sldId id="289" r:id="rId35"/>
-    <p:sldId id="290" r:id="rId36"/>
-    <p:sldId id="291" r:id="rId37"/>
-    <p:sldId id="292" r:id="rId38"/>
-    <p:sldId id="293" r:id="rId39"/>
-    <p:sldId id="294" r:id="rId40"/>
-    <p:sldId id="295" r:id="rId41"/>
-    <p:sldId id="296" r:id="rId42"/>
-    <p:sldId id="297" r:id="rId43"/>
-    <p:sldId id="298" r:id="rId44"/>
-    <p:sldId id="299" r:id="rId45"/>
-    <p:sldId id="300" r:id="rId46"/>
-    <p:sldId id="301" r:id="rId47"/>
-    <p:sldId id="302" r:id="rId48"/>
-    <p:sldId id="303" r:id="rId49"/>
-    <p:sldId id="304" r:id="rId50"/>
-    <p:sldId id="305" r:id="rId51"/>
-    <p:sldId id="306" r:id="rId52"/>
-    <p:sldId id="307" r:id="rId53"/>
-    <p:sldId id="276" r:id="rId54"/>
+    <p:sldId id="342" r:id="rId27"/>
+    <p:sldId id="282" r:id="rId28"/>
+    <p:sldId id="283" r:id="rId29"/>
+    <p:sldId id="279" r:id="rId30"/>
+    <p:sldId id="284" r:id="rId31"/>
+    <p:sldId id="285" r:id="rId32"/>
+    <p:sldId id="286" r:id="rId33"/>
+    <p:sldId id="287" r:id="rId34"/>
+    <p:sldId id="288" r:id="rId35"/>
+    <p:sldId id="289" r:id="rId36"/>
+    <p:sldId id="290" r:id="rId37"/>
+    <p:sldId id="291" r:id="rId38"/>
+    <p:sldId id="292" r:id="rId39"/>
+    <p:sldId id="293" r:id="rId40"/>
+    <p:sldId id="294" r:id="rId41"/>
+    <p:sldId id="295" r:id="rId42"/>
+    <p:sldId id="296" r:id="rId43"/>
+    <p:sldId id="297" r:id="rId44"/>
+    <p:sldId id="298" r:id="rId45"/>
+    <p:sldId id="299" r:id="rId46"/>
+    <p:sldId id="300" r:id="rId47"/>
+    <p:sldId id="301" r:id="rId48"/>
+    <p:sldId id="302" r:id="rId49"/>
+    <p:sldId id="303" r:id="rId50"/>
+    <p:sldId id="304" r:id="rId51"/>
+    <p:sldId id="305" r:id="rId52"/>
+    <p:sldId id="306" r:id="rId53"/>
+    <p:sldId id="307" r:id="rId54"/>
+    <p:sldId id="276" r:id="rId55"/>
   </p:sldIdLst>
   <p:sldSz cx="12192000" cy="6858000"/>
   <p:notesSz cx="6858000" cy="9144000"/>
@@ -6911,142 +6912,122 @@
         <p:nvPr/>
       </p:nvGrpSpPr>
       <p:grpSpPr/>
-      <p:sp>
-        <p:nvSpPr>
-          <p:cNvPr id="2" name="标题 1"/>
-          <p:cNvSpPr>
-            <a:spLocks noGrp="1"/>
-          </p:cNvSpPr>
-          <p:nvPr>
-            <p:ph type="title"/>
-          </p:nvPr>
-        </p:nvSpPr>
-        <p:spPr/>
-        <p:txBody>
-          <a:bodyPr/>
-          <a:p>
-            <a:r>
-              <a:rPr lang="zh-CN" altLang="en-US"/>
-              <a:t>画笔函数</a:t>
-            </a:r>
-            <a:endParaRPr lang="zh-CN" altLang="en-US"/>
-          </a:p>
-        </p:txBody>
-      </p:sp>
-      <p:sp>
-        <p:nvSpPr>
-          <p:cNvPr id="3" name="内容占位符 2"/>
-          <p:cNvSpPr>
-            <a:spLocks noGrp="1"/>
-          </p:cNvSpPr>
+      <p:pic>
+        <p:nvPicPr>
+          <p:cNvPr id="6" name="内容占位符 5" descr="timg"/>
+          <p:cNvPicPr>
+            <a:picLocks noChangeAspect="1"/>
+          </p:cNvPicPr>
           <p:nvPr>
             <p:ph idx="1"/>
           </p:nvPr>
-        </p:nvSpPr>
-        <p:spPr/>
-        <p:txBody>
-          <a:bodyPr/>
-          <a:p>
-            <a:r>
-              <a:rPr lang="en-US" altLang="zh-CN"/>
-              <a:t>forward()</a:t>
-            </a:r>
-            <a:r>
-              <a:rPr lang="zh-CN" altLang="en-US"/>
-              <a:t>沿着当前方向前进指定距离</a:t>
-            </a:r>
-            <a:endParaRPr lang="zh-CN" altLang="en-US"/>
-          </a:p>
-          <a:p>
-            <a:r>
-              <a:rPr lang="en-US" altLang="zh-CN"/>
-              <a:t>backward()</a:t>
-            </a:r>
-            <a:r>
-              <a:rPr lang="zh-CN" altLang="en-US"/>
-              <a:t>沿着当前方向后退制定距离</a:t>
-            </a:r>
-            <a:endParaRPr lang="zh-CN" altLang="en-US"/>
-          </a:p>
-          <a:p>
-            <a:r>
-              <a:rPr lang="en-US" altLang="zh-CN"/>
-              <a:t>right()</a:t>
-            </a:r>
-            <a:r>
-              <a:rPr lang="zh-CN" altLang="en-US"/>
-              <a:t>向右旋转角度</a:t>
-            </a:r>
-            <a:endParaRPr lang="zh-CN" altLang="en-US"/>
-          </a:p>
-          <a:p>
-            <a:r>
-              <a:rPr lang="en-US" altLang="zh-CN"/>
-              <a:t>left()</a:t>
-            </a:r>
-            <a:r>
-              <a:rPr lang="zh-CN" altLang="en-US"/>
-              <a:t>向左旋转角度</a:t>
-            </a:r>
-            <a:endParaRPr lang="zh-CN" altLang="en-US"/>
-          </a:p>
+        </p:nvPicPr>
+        <p:blipFill>
+          <a:blip r:embed="rId1"/>
+          <a:stretch>
+            <a:fillRect/>
+          </a:stretch>
+        </p:blipFill>
+        <p:spPr>
+          <a:xfrm>
+            <a:off x="3861435" y="904240"/>
+            <a:ext cx="3803015" cy="4351655"/>
+          </a:xfrm>
+          <a:prstGeom prst="rect">
+            <a:avLst/>
+          </a:prstGeom>
+        </p:spPr>
+      </p:pic>
+      <p:sp>
+        <p:nvSpPr>
+          <p:cNvPr id="7" name="文本框 6"/>
+          <p:cNvSpPr txBox="1"/>
+          <p:nvPr/>
+        </p:nvSpPr>
+        <p:spPr>
+          <a:xfrm>
+            <a:off x="3800475" y="5323840"/>
+            <a:ext cx="5786755" cy="583565"/>
+          </a:xfrm>
+          <a:prstGeom prst="rect">
+            <a:avLst/>
+          </a:prstGeom>
+          <a:noFill/>
+        </p:spPr>
+        <p:txBody>
+          <a:bodyPr wrap="square" rtlCol="0">
+            <a:spAutoFit/>
+          </a:bodyPr>
           <a:p>
             <a:r>
               <a:rPr lang="en-US" altLang="zh-CN">
-                <a:sym typeface="+mn-ea"/>
+                <a:ln/>
+                <a:solidFill>
+                  <a:schemeClr val="accent4"/>
+                </a:solidFill>
               </a:rPr>
-              <a:t>speed()</a:t>
-            </a:r>
-            <a:r>
-              <a:rPr lang="zh-CN" altLang="en-US">
-                <a:sym typeface="+mn-ea"/>
+              <a:t>                           </a:t>
+            </a:r>
+            <a:r>
+              <a:rPr lang="en-US" altLang="zh-CN" sz="3200">
+                <a:ln w="10160">
+                  <a:solidFill>
+                    <a:schemeClr val="accent5"/>
+                  </a:solidFill>
+                  <a:prstDash val="solid"/>
+                </a:ln>
+                <a:solidFill>
+                  <a:srgbClr val="FFFFFF"/>
+                </a:solidFill>
+                <a:effectLst>
+                  <a:outerShdw blurRad="38100" dist="22860" dir="5400000" algn="tl" rotWithShape="0">
+                    <a:srgbClr val="000000">
+                      <a:alpha val="30000"/>
+                    </a:srgbClr>
+                  </a:outerShdw>
+                </a:effectLst>
               </a:rPr>
-              <a:t>设置画笔的绘制速度，速度在</a:t>
-            </a:r>
-            <a:r>
-              <a:rPr lang="en-US" altLang="zh-CN">
-                <a:sym typeface="+mn-ea"/>
+              <a:t>turtle </a:t>
+            </a:r>
+            <a:r>
+              <a:rPr lang="zh-CN" altLang="zh-CN" sz="3200">
+                <a:ln w="10160">
+                  <a:solidFill>
+                    <a:schemeClr val="accent5"/>
+                  </a:solidFill>
+                  <a:prstDash val="solid"/>
+                </a:ln>
+                <a:solidFill>
+                  <a:srgbClr val="FFFFFF"/>
+                </a:solidFill>
+                <a:effectLst>
+                  <a:outerShdw blurRad="38100" dist="22860" dir="5400000" algn="tl" rotWithShape="0">
+                    <a:srgbClr val="000000">
+                      <a:alpha val="30000"/>
+                    </a:srgbClr>
+                  </a:outerShdw>
+                </a:effectLst>
               </a:rPr>
-              <a:t>0-10</a:t>
-            </a:r>
-            <a:r>
-              <a:rPr lang="zh-CN" altLang="en-US">
-                <a:sym typeface="+mn-ea"/>
-              </a:rPr>
-              <a:t>之间</a:t>
-            </a:r>
-            <a:endParaRPr lang="zh-CN" altLang="en-US">
-              <a:sym typeface="+mn-ea"/>
+              <a:t>库</a:t>
+            </a:r>
+            <a:endParaRPr lang="zh-CN" altLang="zh-CN" sz="3200">
+              <a:ln w="10160">
+                <a:solidFill>
+                  <a:schemeClr val="accent5"/>
+                </a:solidFill>
+                <a:prstDash val="solid"/>
+              </a:ln>
+              <a:solidFill>
+                <a:srgbClr val="FFFFFF"/>
+              </a:solidFill>
+              <a:effectLst>
+                <a:outerShdw blurRad="38100" dist="22860" dir="5400000" algn="tl" rotWithShape="0">
+                  <a:srgbClr val="000000">
+                    <a:alpha val="30000"/>
+                  </a:srgbClr>
+                </a:outerShdw>
+              </a:effectLst>
             </a:endParaRPr>
-          </a:p>
-          <a:p>
-            <a:r>
-              <a:rPr lang="en-US" altLang="zh-CN">
-                <a:sym typeface="+mn-ea"/>
-              </a:rPr>
-              <a:t>color()</a:t>
-            </a:r>
-            <a:r>
-              <a:rPr lang="zh-CN" altLang="en-US">
-                <a:sym typeface="+mn-ea"/>
-              </a:rPr>
-              <a:t>设置画笔的颜色</a:t>
-            </a:r>
-            <a:endParaRPr lang="zh-CN" altLang="en-US">
-              <a:sym typeface="+mn-ea"/>
-            </a:endParaRPr>
-          </a:p>
-          <a:p>
-            <a:pPr marL="0" indent="0">
-              <a:buNone/>
-            </a:pPr>
-            <a:endParaRPr lang="zh-CN" altLang="en-US"/>
-          </a:p>
-          <a:p>
-            <a:pPr marL="0" indent="0">
-              <a:buNone/>
-            </a:pPr>
-            <a:endParaRPr lang="zh-CN" altLang="zh-CN"/>
           </a:p>
         </p:txBody>
       </p:sp>
@@ -7055,6 +7036,97 @@
   <p:clrMapOvr>
     <a:masterClrMapping/>
   </p:clrMapOvr>
+  <p:timing>
+    <p:tnLst>
+      <p:par>
+        <p:cTn id="1" dur="indefinite" restart="never" nodeType="tmRoot">
+          <p:childTnLst>
+            <p:seq concurrent="1" nextAc="seek">
+              <p:cTn id="2" dur="indefinite" nodeType="mainSeq">
+                <p:childTnLst>
+                  <p:par>
+                    <p:cTn id="3" fill="hold">
+                      <p:stCondLst>
+                        <p:cond delay="indefinite"/>
+                      </p:stCondLst>
+                      <p:childTnLst>
+                        <p:par>
+                          <p:cTn id="4" fill="hold">
+                            <p:stCondLst>
+                              <p:cond delay="0"/>
+                            </p:stCondLst>
+                            <p:childTnLst>
+                              <p:par>
+                                <p:cTn id="5" presetID="3" presetClass="entr" presetSubtype="10" fill="hold" nodeType="clickEffect">
+                                  <p:stCondLst>
+                                    <p:cond delay="0"/>
+                                  </p:stCondLst>
+                                  <p:childTnLst>
+                                    <p:set>
+                                      <p:cBhvr>
+                                        <p:cTn id="6" dur="1" fill="hold">
+                                          <p:stCondLst>
+                                            <p:cond delay="0"/>
+                                          </p:stCondLst>
+                                        </p:cTn>
+                                        <p:tgtEl>
+                                          <p:spTgt spid="7">
+                                            <p:txEl>
+                                              <p:pRg st="0" end="0"/>
+                                            </p:txEl>
+                                          </p:spTgt>
+                                        </p:tgtEl>
+                                        <p:attrNameLst>
+                                          <p:attrName>style.visibility</p:attrName>
+                                        </p:attrNameLst>
+                                      </p:cBhvr>
+                                      <p:to>
+                                        <p:strVal val="visible"/>
+                                      </p:to>
+                                    </p:set>
+                                    <p:animEffect transition="in" filter="blinds(horizontal)">
+                                      <p:cBhvr>
+                                        <p:cTn id="7" dur="500"/>
+                                        <p:tgtEl>
+                                          <p:spTgt spid="7">
+                                            <p:txEl>
+                                              <p:pRg st="0" end="0"/>
+                                            </p:txEl>
+                                          </p:spTgt>
+                                        </p:tgtEl>
+                                      </p:cBhvr>
+                                    </p:animEffect>
+                                  </p:childTnLst>
+                                </p:cTn>
+                              </p:par>
+                            </p:childTnLst>
+                          </p:cTn>
+                        </p:par>
+                      </p:childTnLst>
+                    </p:cTn>
+                  </p:par>
+                </p:childTnLst>
+              </p:cTn>
+              <p:prevCondLst>
+                <p:cond evt="onPrev" delay="0">
+                  <p:tgtEl>
+                    <p:sldTgt/>
+                  </p:tgtEl>
+                </p:cond>
+              </p:prevCondLst>
+              <p:nextCondLst>
+                <p:cond evt="onNext" delay="0">
+                  <p:tgtEl>
+                    <p:sldTgt/>
+                  </p:tgtEl>
+                </p:cond>
+              </p:nextCondLst>
+            </p:seq>
+          </p:childTnLst>
+        </p:cTn>
+      </p:par>
+    </p:tnLst>
+  </p:timing>
 </p:sld>
 </file>
 
@@ -7082,6 +7154,10 @@
         <p:txBody>
           <a:bodyPr/>
           <a:p>
+            <a:r>
+              <a:rPr lang="zh-CN" altLang="en-US"/>
+              <a:t>画笔函数</a:t>
+            </a:r>
             <a:endParaRPr lang="zh-CN" altLang="en-US"/>
           </a:p>
         </p:txBody>
@@ -7100,15 +7176,786 @@
         <p:txBody>
           <a:bodyPr/>
           <a:p>
-            <a:endParaRPr lang="zh-CN" altLang="en-US"/>
-          </a:p>
-        </p:txBody>
-      </p:sp>
+            <a:r>
+              <a:rPr lang="en-US" altLang="zh-CN"/>
+              <a:t>forward()</a:t>
+            </a:r>
+            <a:r>
+              <a:rPr lang="zh-CN" altLang="en-US"/>
+              <a:t>沿着当前方向前进指定距离</a:t>
+            </a:r>
+            <a:endParaRPr lang="zh-CN" altLang="en-US"/>
+          </a:p>
+          <a:p>
+            <a:r>
+              <a:rPr lang="en-US" altLang="zh-CN"/>
+              <a:t>backward()</a:t>
+            </a:r>
+            <a:r>
+              <a:rPr lang="zh-CN" altLang="en-US"/>
+              <a:t>沿着当前方向后退制定距离</a:t>
+            </a:r>
+            <a:endParaRPr lang="zh-CN" altLang="en-US"/>
+          </a:p>
+          <a:p>
+            <a:r>
+              <a:rPr lang="en-US" altLang="zh-CN"/>
+              <a:t>right()</a:t>
+            </a:r>
+            <a:r>
+              <a:rPr lang="zh-CN" altLang="en-US"/>
+              <a:t>向右旋转角度</a:t>
+            </a:r>
+            <a:endParaRPr lang="zh-CN" altLang="en-US"/>
+          </a:p>
+          <a:p>
+            <a:r>
+              <a:rPr lang="en-US" altLang="zh-CN"/>
+              <a:t>left()</a:t>
+            </a:r>
+            <a:r>
+              <a:rPr lang="zh-CN" altLang="en-US"/>
+              <a:t>向左旋转角度</a:t>
+            </a:r>
+            <a:endParaRPr lang="zh-CN" altLang="en-US"/>
+          </a:p>
+          <a:p>
+            <a:r>
+              <a:rPr lang="en-US" altLang="zh-CN">
+                <a:sym typeface="+mn-ea"/>
+              </a:rPr>
+              <a:t>speed()</a:t>
+            </a:r>
+            <a:r>
+              <a:rPr lang="zh-CN" altLang="en-US">
+                <a:sym typeface="+mn-ea"/>
+              </a:rPr>
+              <a:t>设置画笔的绘制速度，速度在</a:t>
+            </a:r>
+            <a:r>
+              <a:rPr lang="en-US" altLang="zh-CN">
+                <a:sym typeface="+mn-ea"/>
+              </a:rPr>
+              <a:t>0-10</a:t>
+            </a:r>
+            <a:r>
+              <a:rPr lang="zh-CN" altLang="en-US">
+                <a:sym typeface="+mn-ea"/>
+              </a:rPr>
+              <a:t>之间</a:t>
+            </a:r>
+            <a:endParaRPr lang="zh-CN" altLang="en-US">
+              <a:sym typeface="+mn-ea"/>
+            </a:endParaRPr>
+          </a:p>
+          <a:p>
+            <a:r>
+              <a:rPr lang="en-US" altLang="zh-CN">
+                <a:sym typeface="+mn-ea"/>
+              </a:rPr>
+              <a:t>color()</a:t>
+            </a:r>
+            <a:r>
+              <a:rPr lang="zh-CN" altLang="en-US">
+                <a:sym typeface="+mn-ea"/>
+              </a:rPr>
+              <a:t>设置画笔的颜色</a:t>
+            </a:r>
+            <a:endParaRPr lang="zh-CN" altLang="en-US">
+              <a:sym typeface="+mn-ea"/>
+            </a:endParaRPr>
+          </a:p>
+          <a:p>
+            <a:pPr marL="0" indent="0">
+              <a:buNone/>
+            </a:pPr>
+            <a:endParaRPr lang="zh-CN" altLang="en-US"/>
+          </a:p>
+          <a:p>
+            <a:pPr marL="0" indent="0">
+              <a:buNone/>
+            </a:pPr>
+            <a:endParaRPr lang="zh-CN" altLang="zh-CN"/>
+          </a:p>
+        </p:txBody>
+      </p:sp>
+      <p:pic>
+        <p:nvPicPr>
+          <p:cNvPr id="4" name="图片 3" descr="timg"/>
+          <p:cNvPicPr>
+            <a:picLocks noChangeAspect="1"/>
+          </p:cNvPicPr>
+          <p:nvPr/>
+        </p:nvPicPr>
+        <p:blipFill>
+          <a:blip r:embed="rId1"/>
+          <a:stretch>
+            <a:fillRect/>
+          </a:stretch>
+        </p:blipFill>
+        <p:spPr>
+          <a:xfrm>
+            <a:off x="8893175" y="1634490"/>
+            <a:ext cx="2907030" cy="3870960"/>
+          </a:xfrm>
+          <a:prstGeom prst="rect">
+            <a:avLst/>
+          </a:prstGeom>
+        </p:spPr>
+      </p:pic>
     </p:spTree>
   </p:cSld>
   <p:clrMapOvr>
     <a:masterClrMapping/>
   </p:clrMapOvr>
+  <p:timing>
+    <p:tnLst>
+      <p:par>
+        <p:cTn id="1" dur="indefinite" restart="never" nodeType="tmRoot">
+          <p:childTnLst>
+            <p:seq concurrent="1" nextAc="seek">
+              <p:cTn id="2" dur="indefinite" nodeType="mainSeq">
+                <p:childTnLst>
+                  <p:par>
+                    <p:cTn id="3" fill="hold">
+                      <p:stCondLst>
+                        <p:cond delay="indefinite"/>
+                      </p:stCondLst>
+                      <p:childTnLst>
+                        <p:par>
+                          <p:cTn id="4" fill="hold">
+                            <p:stCondLst>
+                              <p:cond delay="0"/>
+                            </p:stCondLst>
+                            <p:childTnLst>
+                              <p:par>
+                                <p:cTn id="5" presetID="2" presetClass="entr" presetSubtype="4" fill="hold" nodeType="clickEffect">
+                                  <p:stCondLst>
+                                    <p:cond delay="0"/>
+                                  </p:stCondLst>
+                                  <p:childTnLst>
+                                    <p:set>
+                                      <p:cBhvr>
+                                        <p:cTn id="6" dur="1" fill="hold">
+                                          <p:stCondLst>
+                                            <p:cond delay="0"/>
+                                          </p:stCondLst>
+                                        </p:cTn>
+                                        <p:tgtEl>
+                                          <p:spTgt spid="3">
+                                            <p:txEl>
+                                              <p:pRg st="0" end="0"/>
+                                            </p:txEl>
+                                          </p:spTgt>
+                                        </p:tgtEl>
+                                        <p:attrNameLst>
+                                          <p:attrName>style.visibility</p:attrName>
+                                        </p:attrNameLst>
+                                      </p:cBhvr>
+                                      <p:to>
+                                        <p:strVal val="visible"/>
+                                      </p:to>
+                                    </p:set>
+                                    <p:anim calcmode="lin" valueType="num">
+                                      <p:cBhvr additive="base">
+                                        <p:cTn id="7" dur="500" fill="hold"/>
+                                        <p:tgtEl>
+                                          <p:spTgt spid="3">
+                                            <p:txEl>
+                                              <p:pRg st="0" end="0"/>
+                                            </p:txEl>
+                                          </p:spTgt>
+                                        </p:tgtEl>
+                                        <p:attrNameLst>
+                                          <p:attrName>ppt_x</p:attrName>
+                                        </p:attrNameLst>
+                                      </p:cBhvr>
+                                      <p:tavLst>
+                                        <p:tav tm="0">
+                                          <p:val>
+                                            <p:strVal val="#ppt_x"/>
+                                          </p:val>
+                                        </p:tav>
+                                        <p:tav tm="100000">
+                                          <p:val>
+                                            <p:strVal val="#ppt_x"/>
+                                          </p:val>
+                                        </p:tav>
+                                      </p:tavLst>
+                                    </p:anim>
+                                    <p:anim calcmode="lin" valueType="num">
+                                      <p:cBhvr additive="base">
+                                        <p:cTn id="8" dur="500" fill="hold"/>
+                                        <p:tgtEl>
+                                          <p:spTgt spid="3">
+                                            <p:txEl>
+                                              <p:pRg st="0" end="0"/>
+                                            </p:txEl>
+                                          </p:spTgt>
+                                        </p:tgtEl>
+                                        <p:attrNameLst>
+                                          <p:attrName>ppt_y</p:attrName>
+                                        </p:attrNameLst>
+                                      </p:cBhvr>
+                                      <p:tavLst>
+                                        <p:tav tm="0">
+                                          <p:val>
+                                            <p:strVal val="1+#ppt_h/2"/>
+                                          </p:val>
+                                        </p:tav>
+                                        <p:tav tm="100000">
+                                          <p:val>
+                                            <p:strVal val="#ppt_y"/>
+                                          </p:val>
+                                        </p:tav>
+                                      </p:tavLst>
+                                    </p:anim>
+                                  </p:childTnLst>
+                                </p:cTn>
+                              </p:par>
+                            </p:childTnLst>
+                          </p:cTn>
+                        </p:par>
+                      </p:childTnLst>
+                    </p:cTn>
+                  </p:par>
+                  <p:par>
+                    <p:cTn id="9" fill="hold">
+                      <p:stCondLst>
+                        <p:cond delay="indefinite"/>
+                      </p:stCondLst>
+                      <p:childTnLst>
+                        <p:par>
+                          <p:cTn id="10" fill="hold">
+                            <p:stCondLst>
+                              <p:cond delay="0"/>
+                            </p:stCondLst>
+                            <p:childTnLst>
+                              <p:par>
+                                <p:cTn id="11" presetID="2" presetClass="entr" presetSubtype="4" fill="hold" nodeType="clickEffect">
+                                  <p:stCondLst>
+                                    <p:cond delay="0"/>
+                                  </p:stCondLst>
+                                  <p:childTnLst>
+                                    <p:set>
+                                      <p:cBhvr>
+                                        <p:cTn id="12" dur="1" fill="hold">
+                                          <p:stCondLst>
+                                            <p:cond delay="0"/>
+                                          </p:stCondLst>
+                                        </p:cTn>
+                                        <p:tgtEl>
+                                          <p:spTgt spid="3">
+                                            <p:txEl>
+                                              <p:pRg st="1" end="1"/>
+                                            </p:txEl>
+                                          </p:spTgt>
+                                        </p:tgtEl>
+                                        <p:attrNameLst>
+                                          <p:attrName>style.visibility</p:attrName>
+                                        </p:attrNameLst>
+                                      </p:cBhvr>
+                                      <p:to>
+                                        <p:strVal val="visible"/>
+                                      </p:to>
+                                    </p:set>
+                                    <p:anim calcmode="lin" valueType="num">
+                                      <p:cBhvr additive="base">
+                                        <p:cTn id="13" dur="500" fill="hold"/>
+                                        <p:tgtEl>
+                                          <p:spTgt spid="3">
+                                            <p:txEl>
+                                              <p:pRg st="1" end="1"/>
+                                            </p:txEl>
+                                          </p:spTgt>
+                                        </p:tgtEl>
+                                        <p:attrNameLst>
+                                          <p:attrName>ppt_x</p:attrName>
+                                        </p:attrNameLst>
+                                      </p:cBhvr>
+                                      <p:tavLst>
+                                        <p:tav tm="0">
+                                          <p:val>
+                                            <p:strVal val="#ppt_x"/>
+                                          </p:val>
+                                        </p:tav>
+                                        <p:tav tm="100000">
+                                          <p:val>
+                                            <p:strVal val="#ppt_x"/>
+                                          </p:val>
+                                        </p:tav>
+                                      </p:tavLst>
+                                    </p:anim>
+                                    <p:anim calcmode="lin" valueType="num">
+                                      <p:cBhvr additive="base">
+                                        <p:cTn id="14" dur="500" fill="hold"/>
+                                        <p:tgtEl>
+                                          <p:spTgt spid="3">
+                                            <p:txEl>
+                                              <p:pRg st="1" end="1"/>
+                                            </p:txEl>
+                                          </p:spTgt>
+                                        </p:tgtEl>
+                                        <p:attrNameLst>
+                                          <p:attrName>ppt_y</p:attrName>
+                                        </p:attrNameLst>
+                                      </p:cBhvr>
+                                      <p:tavLst>
+                                        <p:tav tm="0">
+                                          <p:val>
+                                            <p:strVal val="1+#ppt_h/2"/>
+                                          </p:val>
+                                        </p:tav>
+                                        <p:tav tm="100000">
+                                          <p:val>
+                                            <p:strVal val="#ppt_y"/>
+                                          </p:val>
+                                        </p:tav>
+                                      </p:tavLst>
+                                    </p:anim>
+                                  </p:childTnLst>
+                                </p:cTn>
+                              </p:par>
+                            </p:childTnLst>
+                          </p:cTn>
+                        </p:par>
+                      </p:childTnLst>
+                    </p:cTn>
+                  </p:par>
+                  <p:par>
+                    <p:cTn id="15" fill="hold">
+                      <p:stCondLst>
+                        <p:cond delay="indefinite"/>
+                      </p:stCondLst>
+                      <p:childTnLst>
+                        <p:par>
+                          <p:cTn id="16" fill="hold">
+                            <p:stCondLst>
+                              <p:cond delay="0"/>
+                            </p:stCondLst>
+                            <p:childTnLst>
+                              <p:par>
+                                <p:cTn id="17" presetID="2" presetClass="entr" presetSubtype="4" fill="hold" nodeType="clickEffect">
+                                  <p:stCondLst>
+                                    <p:cond delay="0"/>
+                                  </p:stCondLst>
+                                  <p:childTnLst>
+                                    <p:set>
+                                      <p:cBhvr>
+                                        <p:cTn id="18" dur="1" fill="hold">
+                                          <p:stCondLst>
+                                            <p:cond delay="0"/>
+                                          </p:stCondLst>
+                                        </p:cTn>
+                                        <p:tgtEl>
+                                          <p:spTgt spid="3">
+                                            <p:txEl>
+                                              <p:pRg st="2" end="2"/>
+                                            </p:txEl>
+                                          </p:spTgt>
+                                        </p:tgtEl>
+                                        <p:attrNameLst>
+                                          <p:attrName>style.visibility</p:attrName>
+                                        </p:attrNameLst>
+                                      </p:cBhvr>
+                                      <p:to>
+                                        <p:strVal val="visible"/>
+                                      </p:to>
+                                    </p:set>
+                                    <p:anim calcmode="lin" valueType="num">
+                                      <p:cBhvr additive="base">
+                                        <p:cTn id="19" dur="500" fill="hold"/>
+                                        <p:tgtEl>
+                                          <p:spTgt spid="3">
+                                            <p:txEl>
+                                              <p:pRg st="2" end="2"/>
+                                            </p:txEl>
+                                          </p:spTgt>
+                                        </p:tgtEl>
+                                        <p:attrNameLst>
+                                          <p:attrName>ppt_x</p:attrName>
+                                        </p:attrNameLst>
+                                      </p:cBhvr>
+                                      <p:tavLst>
+                                        <p:tav tm="0">
+                                          <p:val>
+                                            <p:strVal val="#ppt_x"/>
+                                          </p:val>
+                                        </p:tav>
+                                        <p:tav tm="100000">
+                                          <p:val>
+                                            <p:strVal val="#ppt_x"/>
+                                          </p:val>
+                                        </p:tav>
+                                      </p:tavLst>
+                                    </p:anim>
+                                    <p:anim calcmode="lin" valueType="num">
+                                      <p:cBhvr additive="base">
+                                        <p:cTn id="20" dur="500" fill="hold"/>
+                                        <p:tgtEl>
+                                          <p:spTgt spid="3">
+                                            <p:txEl>
+                                              <p:pRg st="2" end="2"/>
+                                            </p:txEl>
+                                          </p:spTgt>
+                                        </p:tgtEl>
+                                        <p:attrNameLst>
+                                          <p:attrName>ppt_y</p:attrName>
+                                        </p:attrNameLst>
+                                      </p:cBhvr>
+                                      <p:tavLst>
+                                        <p:tav tm="0">
+                                          <p:val>
+                                            <p:strVal val="1+#ppt_h/2"/>
+                                          </p:val>
+                                        </p:tav>
+                                        <p:tav tm="100000">
+                                          <p:val>
+                                            <p:strVal val="#ppt_y"/>
+                                          </p:val>
+                                        </p:tav>
+                                      </p:tavLst>
+                                    </p:anim>
+                                  </p:childTnLst>
+                                </p:cTn>
+                              </p:par>
+                            </p:childTnLst>
+                          </p:cTn>
+                        </p:par>
+                      </p:childTnLst>
+                    </p:cTn>
+                  </p:par>
+                  <p:par>
+                    <p:cTn id="21" fill="hold">
+                      <p:stCondLst>
+                        <p:cond delay="indefinite"/>
+                      </p:stCondLst>
+                      <p:childTnLst>
+                        <p:par>
+                          <p:cTn id="22" fill="hold">
+                            <p:stCondLst>
+                              <p:cond delay="0"/>
+                            </p:stCondLst>
+                            <p:childTnLst>
+                              <p:par>
+                                <p:cTn id="23" presetID="2" presetClass="entr" presetSubtype="4" fill="hold" nodeType="clickEffect">
+                                  <p:stCondLst>
+                                    <p:cond delay="0"/>
+                                  </p:stCondLst>
+                                  <p:childTnLst>
+                                    <p:set>
+                                      <p:cBhvr>
+                                        <p:cTn id="24" dur="1" fill="hold">
+                                          <p:stCondLst>
+                                            <p:cond delay="0"/>
+                                          </p:stCondLst>
+                                        </p:cTn>
+                                        <p:tgtEl>
+                                          <p:spTgt spid="3">
+                                            <p:txEl>
+                                              <p:pRg st="3" end="3"/>
+                                            </p:txEl>
+                                          </p:spTgt>
+                                        </p:tgtEl>
+                                        <p:attrNameLst>
+                                          <p:attrName>style.visibility</p:attrName>
+                                        </p:attrNameLst>
+                                      </p:cBhvr>
+                                      <p:to>
+                                        <p:strVal val="visible"/>
+                                      </p:to>
+                                    </p:set>
+                                    <p:anim calcmode="lin" valueType="num">
+                                      <p:cBhvr additive="base">
+                                        <p:cTn id="25" dur="500" fill="hold"/>
+                                        <p:tgtEl>
+                                          <p:spTgt spid="3">
+                                            <p:txEl>
+                                              <p:pRg st="3" end="3"/>
+                                            </p:txEl>
+                                          </p:spTgt>
+                                        </p:tgtEl>
+                                        <p:attrNameLst>
+                                          <p:attrName>ppt_x</p:attrName>
+                                        </p:attrNameLst>
+                                      </p:cBhvr>
+                                      <p:tavLst>
+                                        <p:tav tm="0">
+                                          <p:val>
+                                            <p:strVal val="#ppt_x"/>
+                                          </p:val>
+                                        </p:tav>
+                                        <p:tav tm="100000">
+                                          <p:val>
+                                            <p:strVal val="#ppt_x"/>
+                                          </p:val>
+                                        </p:tav>
+                                      </p:tavLst>
+                                    </p:anim>
+                                    <p:anim calcmode="lin" valueType="num">
+                                      <p:cBhvr additive="base">
+                                        <p:cTn id="26" dur="500" fill="hold"/>
+                                        <p:tgtEl>
+                                          <p:spTgt spid="3">
+                                            <p:txEl>
+                                              <p:pRg st="3" end="3"/>
+                                            </p:txEl>
+                                          </p:spTgt>
+                                        </p:tgtEl>
+                                        <p:attrNameLst>
+                                          <p:attrName>ppt_y</p:attrName>
+                                        </p:attrNameLst>
+                                      </p:cBhvr>
+                                      <p:tavLst>
+                                        <p:tav tm="0">
+                                          <p:val>
+                                            <p:strVal val="1+#ppt_h/2"/>
+                                          </p:val>
+                                        </p:tav>
+                                        <p:tav tm="100000">
+                                          <p:val>
+                                            <p:strVal val="#ppt_y"/>
+                                          </p:val>
+                                        </p:tav>
+                                      </p:tavLst>
+                                    </p:anim>
+                                  </p:childTnLst>
+                                </p:cTn>
+                              </p:par>
+                            </p:childTnLst>
+                          </p:cTn>
+                        </p:par>
+                      </p:childTnLst>
+                    </p:cTn>
+                  </p:par>
+                  <p:par>
+                    <p:cTn id="27" fill="hold">
+                      <p:stCondLst>
+                        <p:cond delay="indefinite"/>
+                      </p:stCondLst>
+                      <p:childTnLst>
+                        <p:par>
+                          <p:cTn id="28" fill="hold">
+                            <p:stCondLst>
+                              <p:cond delay="0"/>
+                            </p:stCondLst>
+                            <p:childTnLst>
+                              <p:par>
+                                <p:cTn id="29" presetID="2" presetClass="entr" presetSubtype="4" fill="hold" nodeType="clickEffect">
+                                  <p:stCondLst>
+                                    <p:cond delay="0"/>
+                                  </p:stCondLst>
+                                  <p:childTnLst>
+                                    <p:set>
+                                      <p:cBhvr>
+                                        <p:cTn id="30" dur="1" fill="hold">
+                                          <p:stCondLst>
+                                            <p:cond delay="0"/>
+                                          </p:stCondLst>
+                                        </p:cTn>
+                                        <p:tgtEl>
+                                          <p:spTgt spid="3">
+                                            <p:txEl>
+                                              <p:pRg st="4" end="4"/>
+                                            </p:txEl>
+                                          </p:spTgt>
+                                        </p:tgtEl>
+                                        <p:attrNameLst>
+                                          <p:attrName>style.visibility</p:attrName>
+                                        </p:attrNameLst>
+                                      </p:cBhvr>
+                                      <p:to>
+                                        <p:strVal val="visible"/>
+                                      </p:to>
+                                    </p:set>
+                                    <p:anim calcmode="lin" valueType="num">
+                                      <p:cBhvr additive="base">
+                                        <p:cTn id="31" dur="500" fill="hold"/>
+                                        <p:tgtEl>
+                                          <p:spTgt spid="3">
+                                            <p:txEl>
+                                              <p:pRg st="4" end="4"/>
+                                            </p:txEl>
+                                          </p:spTgt>
+                                        </p:tgtEl>
+                                        <p:attrNameLst>
+                                          <p:attrName>ppt_x</p:attrName>
+                                        </p:attrNameLst>
+                                      </p:cBhvr>
+                                      <p:tavLst>
+                                        <p:tav tm="0">
+                                          <p:val>
+                                            <p:strVal val="#ppt_x"/>
+                                          </p:val>
+                                        </p:tav>
+                                        <p:tav tm="100000">
+                                          <p:val>
+                                            <p:strVal val="#ppt_x"/>
+                                          </p:val>
+                                        </p:tav>
+                                      </p:tavLst>
+                                    </p:anim>
+                                    <p:anim calcmode="lin" valueType="num">
+                                      <p:cBhvr additive="base">
+                                        <p:cTn id="32" dur="500" fill="hold"/>
+                                        <p:tgtEl>
+                                          <p:spTgt spid="3">
+                                            <p:txEl>
+                                              <p:pRg st="4" end="4"/>
+                                            </p:txEl>
+                                          </p:spTgt>
+                                        </p:tgtEl>
+                                        <p:attrNameLst>
+                                          <p:attrName>ppt_y</p:attrName>
+                                        </p:attrNameLst>
+                                      </p:cBhvr>
+                                      <p:tavLst>
+                                        <p:tav tm="0">
+                                          <p:val>
+                                            <p:strVal val="1+#ppt_h/2"/>
+                                          </p:val>
+                                        </p:tav>
+                                        <p:tav tm="100000">
+                                          <p:val>
+                                            <p:strVal val="#ppt_y"/>
+                                          </p:val>
+                                        </p:tav>
+                                      </p:tavLst>
+                                    </p:anim>
+                                  </p:childTnLst>
+                                </p:cTn>
+                              </p:par>
+                            </p:childTnLst>
+                          </p:cTn>
+                        </p:par>
+                      </p:childTnLst>
+                    </p:cTn>
+                  </p:par>
+                  <p:par>
+                    <p:cTn id="33" fill="hold">
+                      <p:stCondLst>
+                        <p:cond delay="indefinite"/>
+                      </p:stCondLst>
+                      <p:childTnLst>
+                        <p:par>
+                          <p:cTn id="34" fill="hold">
+                            <p:stCondLst>
+                              <p:cond delay="0"/>
+                            </p:stCondLst>
+                            <p:childTnLst>
+                              <p:par>
+                                <p:cTn id="35" presetID="2" presetClass="entr" presetSubtype="4" fill="hold" nodeType="clickEffect">
+                                  <p:stCondLst>
+                                    <p:cond delay="0"/>
+                                  </p:stCondLst>
+                                  <p:childTnLst>
+                                    <p:set>
+                                      <p:cBhvr>
+                                        <p:cTn id="36" dur="1" fill="hold">
+                                          <p:stCondLst>
+                                            <p:cond delay="0"/>
+                                          </p:stCondLst>
+                                        </p:cTn>
+                                        <p:tgtEl>
+                                          <p:spTgt spid="3">
+                                            <p:txEl>
+                                              <p:pRg st="5" end="5"/>
+                                            </p:txEl>
+                                          </p:spTgt>
+                                        </p:tgtEl>
+                                        <p:attrNameLst>
+                                          <p:attrName>style.visibility</p:attrName>
+                                        </p:attrNameLst>
+                                      </p:cBhvr>
+                                      <p:to>
+                                        <p:strVal val="visible"/>
+                                      </p:to>
+                                    </p:set>
+                                    <p:anim calcmode="lin" valueType="num">
+                                      <p:cBhvr additive="base">
+                                        <p:cTn id="37" dur="500" fill="hold"/>
+                                        <p:tgtEl>
+                                          <p:spTgt spid="3">
+                                            <p:txEl>
+                                              <p:pRg st="5" end="5"/>
+                                            </p:txEl>
+                                          </p:spTgt>
+                                        </p:tgtEl>
+                                        <p:attrNameLst>
+                                          <p:attrName>ppt_x</p:attrName>
+                                        </p:attrNameLst>
+                                      </p:cBhvr>
+                                      <p:tavLst>
+                                        <p:tav tm="0">
+                                          <p:val>
+                                            <p:strVal val="#ppt_x"/>
+                                          </p:val>
+                                        </p:tav>
+                                        <p:tav tm="100000">
+                                          <p:val>
+                                            <p:strVal val="#ppt_x"/>
+                                          </p:val>
+                                        </p:tav>
+                                      </p:tavLst>
+                                    </p:anim>
+                                    <p:anim calcmode="lin" valueType="num">
+                                      <p:cBhvr additive="base">
+                                        <p:cTn id="38" dur="500" fill="hold"/>
+                                        <p:tgtEl>
+                                          <p:spTgt spid="3">
+                                            <p:txEl>
+                                              <p:pRg st="5" end="5"/>
+                                            </p:txEl>
+                                          </p:spTgt>
+                                        </p:tgtEl>
+                                        <p:attrNameLst>
+                                          <p:attrName>ppt_y</p:attrName>
+                                        </p:attrNameLst>
+                                      </p:cBhvr>
+                                      <p:tavLst>
+                                        <p:tav tm="0">
+                                          <p:val>
+                                            <p:strVal val="1+#ppt_h/2"/>
+                                          </p:val>
+                                        </p:tav>
+                                        <p:tav tm="100000">
+                                          <p:val>
+                                            <p:strVal val="#ppt_y"/>
+                                          </p:val>
+                                        </p:tav>
+                                      </p:tavLst>
+                                    </p:anim>
+                                  </p:childTnLst>
+                                </p:cTn>
+                              </p:par>
+                            </p:childTnLst>
+                          </p:cTn>
+                        </p:par>
+                      </p:childTnLst>
+                    </p:cTn>
+                  </p:par>
+                </p:childTnLst>
+              </p:cTn>
+              <p:prevCondLst>
+                <p:cond evt="onPrev" delay="0">
+                  <p:tgtEl>
+                    <p:sldTgt/>
+                  </p:tgtEl>
+                </p:cond>
+              </p:prevCondLst>
+              <p:nextCondLst>
+                <p:cond evt="onNext" delay="0">
+                  <p:tgtEl>
+                    <p:sldTgt/>
+                  </p:tgtEl>
+                </p:cond>
+              </p:nextCondLst>
+            </p:seq>
+          </p:childTnLst>
+        </p:cTn>
+      </p:par>
+    </p:tnLst>
+  </p:timing>
 </p:sld>
 </file>
 
@@ -9815,6 +10662,60 @@
 </file>
 
 <file path=ppt/slides/slide52.xml><?xml version="1.0" encoding="utf-8"?>
+<p:sld xmlns:a="http://schemas.openxmlformats.org/drawingml/2006/main" xmlns:r="http://schemas.openxmlformats.org/officeDocument/2006/relationships" xmlns:p="http://schemas.openxmlformats.org/presentationml/2006/main">
+  <p:cSld>
+    <p:spTree>
+      <p:nvGrpSpPr>
+        <p:cNvPr id="1" name=""/>
+        <p:cNvGrpSpPr/>
+        <p:nvPr/>
+      </p:nvGrpSpPr>
+      <p:grpSpPr/>
+      <p:sp>
+        <p:nvSpPr>
+          <p:cNvPr id="2" name="标题 1"/>
+          <p:cNvSpPr>
+            <a:spLocks noGrp="1"/>
+          </p:cNvSpPr>
+          <p:nvPr>
+            <p:ph type="title"/>
+          </p:nvPr>
+        </p:nvSpPr>
+        <p:spPr/>
+        <p:txBody>
+          <a:bodyPr/>
+          <a:p>
+            <a:endParaRPr lang="zh-CN" altLang="en-US"/>
+          </a:p>
+        </p:txBody>
+      </p:sp>
+      <p:sp>
+        <p:nvSpPr>
+          <p:cNvPr id="3" name="内容占位符 2"/>
+          <p:cNvSpPr>
+            <a:spLocks noGrp="1"/>
+          </p:cNvSpPr>
+          <p:nvPr>
+            <p:ph idx="1"/>
+          </p:nvPr>
+        </p:nvSpPr>
+        <p:spPr/>
+        <p:txBody>
+          <a:bodyPr/>
+          <a:p>
+            <a:endParaRPr lang="zh-CN" altLang="en-US"/>
+          </a:p>
+        </p:txBody>
+      </p:sp>
+    </p:spTree>
+  </p:cSld>
+  <p:clrMapOvr>
+    <a:masterClrMapping/>
+  </p:clrMapOvr>
+</p:sld>
+</file>
+
+<file path=ppt/slides/slide53.xml><?xml version="1.0" encoding="utf-8"?>
 <p:sld xmlns:a="http://schemas.openxmlformats.org/drawingml/2006/main" xmlns:r="http://schemas.openxmlformats.org/officeDocument/2006/relationships" xmlns:p="http://schemas.openxmlformats.org/presentationml/2006/main">
   <p:cSld>
     <p:spTree>

--- a/Python01.pptx
+++ b/Python01.pptx
@@ -6819,7 +6819,11 @@
               <a:rPr lang="zh-CN" altLang="en-US"/>
               <a:t>单词速记</a:t>
             </a:r>
-            <a:endParaRPr lang="zh-CN" altLang="en-US"/>
+            <a:r>
+              <a:rPr lang="en-US" altLang="zh-CN"/>
+              <a:t>1</a:t>
+            </a:r>
+            <a:endParaRPr lang="en-US" altLang="zh-CN"/>
           </a:p>
         </p:txBody>
       </p:sp>
@@ -6961,7 +6965,6 @@
           <a:p>
             <a:r>
               <a:rPr lang="en-US" altLang="zh-CN">
-                <a:ln/>
                 <a:solidFill>
                   <a:schemeClr val="accent4"/>
                 </a:solidFill>
@@ -7983,7 +7986,11 @@
         <p:txBody>
           <a:bodyPr/>
           <a:p>
-            <a:endParaRPr lang="zh-CN" altLang="en-US"/>
+            <a:r>
+              <a:rPr lang="zh-CN" altLang="zh-CN"/>
+              <a:t>互动环节</a:t>
+            </a:r>
+            <a:endParaRPr lang="zh-CN" altLang="zh-CN"/>
           </a:p>
         </p:txBody>
       </p:sp>
@@ -8001,6 +8008,61 @@
         <p:txBody>
           <a:bodyPr/>
           <a:p>
+            <a:r>
+              <a:rPr lang="en-US" altLang="zh-CN"/>
+              <a:t>1.</a:t>
+            </a:r>
+            <a:r>
+              <a:rPr lang="zh-CN" altLang="en-US"/>
+              <a:t>利用刚刚所学的指令，邀请</a:t>
+            </a:r>
+            <a:r>
+              <a:rPr lang="en-US" altLang="zh-CN"/>
+              <a:t>2</a:t>
+            </a:r>
+            <a:r>
+              <a:rPr lang="zh-CN" altLang="en-US"/>
+              <a:t>位小朋友进行位移小游戏</a:t>
+            </a:r>
+            <a:endParaRPr lang="zh-CN" altLang="en-US"/>
+          </a:p>
+          <a:p>
+            <a:endParaRPr lang="zh-CN" altLang="en-US"/>
+          </a:p>
+          <a:p>
+            <a:endParaRPr lang="zh-CN" altLang="en-US"/>
+          </a:p>
+          <a:p>
+            <a:pPr marL="0" indent="0">
+              <a:buNone/>
+            </a:pPr>
+            <a:endParaRPr lang="zh-CN" altLang="en-US"/>
+          </a:p>
+          <a:p>
+            <a:r>
+              <a:rPr lang="en-US" altLang="zh-CN"/>
+              <a:t>2.</a:t>
+            </a:r>
+            <a:r>
+              <a:rPr lang="zh-CN" altLang="en-US"/>
+              <a:t>让小朋友组成</a:t>
+            </a:r>
+            <a:r>
+              <a:rPr lang="en-US" altLang="zh-CN"/>
+              <a:t>2</a:t>
+            </a:r>
+            <a:r>
+              <a:rPr lang="zh-CN" altLang="en-US"/>
+              <a:t>人小队，一位小朋友在纸上写上组合指令，然后由另一位小朋友执行。执行结果可分为</a:t>
+            </a:r>
+            <a:r>
+              <a:rPr lang="en-US" altLang="zh-CN"/>
+              <a:t>2</a:t>
+            </a:r>
+            <a:r>
+              <a:rPr lang="zh-CN" altLang="en-US"/>
+              <a:t>种进行评分：其一是一步步根据指令进行，其二是直接将最后结果呈现出来</a:t>
+            </a:r>
             <a:endParaRPr lang="zh-CN" altLang="en-US"/>
           </a:p>
         </p:txBody>
@@ -8037,6 +8099,10 @@
         <p:txBody>
           <a:bodyPr/>
           <a:p>
+            <a:r>
+              <a:rPr lang="zh-CN" altLang="en-US"/>
+              <a:t>课后练习</a:t>
+            </a:r>
             <a:endParaRPr lang="zh-CN" altLang="en-US"/>
           </a:p>
         </p:txBody>
@@ -8055,6 +8121,9 @@
         <p:txBody>
           <a:bodyPr/>
           <a:p>
+            <a:pPr marL="0" indent="0">
+              <a:buNone/>
+            </a:pPr>
             <a:endParaRPr lang="zh-CN" altLang="en-US"/>
           </a:p>
         </p:txBody>
@@ -12231,8 +12300,6 @@
       </a:bgFillStyleLst>
     </a:fmtScheme>
   </a:themeElements>
-  <a:objectDefaults/>
-  <a:extraClrSchemeLst/>
   <a:extLst>
     <a:ext uri="{05A4C25C-085E-4340-85A3-A5531E510DB2}">
       <thm15:themeFamily xmlns:thm15="http://schemas.microsoft.com/office/thememl/2012/main" name="Office Theme" id="{62F939B6-93AF-4DB8-9C6B-D6C7DFDC589F}" vid="{4A3C46E8-61CC-4603-A589-7422A47A8E4A}"/>

--- a/Python01.pptx
+++ b/Python01.pptx
@@ -32,32 +32,33 @@
     <p:sldId id="342" r:id="rId27"/>
     <p:sldId id="282" r:id="rId28"/>
     <p:sldId id="283" r:id="rId29"/>
-    <p:sldId id="279" r:id="rId30"/>
+    <p:sldId id="371" r:id="rId30"/>
     <p:sldId id="284" r:id="rId31"/>
     <p:sldId id="285" r:id="rId32"/>
     <p:sldId id="286" r:id="rId33"/>
     <p:sldId id="287" r:id="rId34"/>
     <p:sldId id="288" r:id="rId35"/>
     <p:sldId id="289" r:id="rId36"/>
-    <p:sldId id="290" r:id="rId37"/>
-    <p:sldId id="291" r:id="rId38"/>
-    <p:sldId id="292" r:id="rId39"/>
-    <p:sldId id="293" r:id="rId40"/>
-    <p:sldId id="294" r:id="rId41"/>
-    <p:sldId id="295" r:id="rId42"/>
-    <p:sldId id="296" r:id="rId43"/>
-    <p:sldId id="297" r:id="rId44"/>
-    <p:sldId id="298" r:id="rId45"/>
-    <p:sldId id="299" r:id="rId46"/>
-    <p:sldId id="300" r:id="rId47"/>
-    <p:sldId id="301" r:id="rId48"/>
-    <p:sldId id="302" r:id="rId49"/>
-    <p:sldId id="303" r:id="rId50"/>
-    <p:sldId id="304" r:id="rId51"/>
-    <p:sldId id="305" r:id="rId52"/>
-    <p:sldId id="306" r:id="rId53"/>
-    <p:sldId id="307" r:id="rId54"/>
-    <p:sldId id="276" r:id="rId55"/>
+    <p:sldId id="279" r:id="rId37"/>
+    <p:sldId id="290" r:id="rId38"/>
+    <p:sldId id="291" r:id="rId39"/>
+    <p:sldId id="292" r:id="rId40"/>
+    <p:sldId id="293" r:id="rId41"/>
+    <p:sldId id="294" r:id="rId42"/>
+    <p:sldId id="295" r:id="rId43"/>
+    <p:sldId id="296" r:id="rId44"/>
+    <p:sldId id="297" r:id="rId45"/>
+    <p:sldId id="298" r:id="rId46"/>
+    <p:sldId id="299" r:id="rId47"/>
+    <p:sldId id="300" r:id="rId48"/>
+    <p:sldId id="301" r:id="rId49"/>
+    <p:sldId id="302" r:id="rId50"/>
+    <p:sldId id="303" r:id="rId51"/>
+    <p:sldId id="304" r:id="rId52"/>
+    <p:sldId id="305" r:id="rId53"/>
+    <p:sldId id="306" r:id="rId54"/>
+    <p:sldId id="307" r:id="rId55"/>
+    <p:sldId id="276" r:id="rId56"/>
   </p:sldIdLst>
   <p:sldSz cx="12192000" cy="6858000"/>
   <p:notesSz cx="6858000" cy="9144000"/>
@@ -8100,10 +8101,44 @@
           <a:bodyPr/>
           <a:p>
             <a:r>
-              <a:rPr lang="zh-CN" altLang="en-US"/>
-              <a:t>课后练习</a:t>
-            </a:r>
-            <a:endParaRPr lang="zh-CN" altLang="en-US"/>
+              <a:rPr lang="zh-CN" altLang="en-US" b="1">
+                <a:ln w="10160">
+                  <a:solidFill>
+                    <a:schemeClr val="accent5"/>
+                  </a:solidFill>
+                  <a:prstDash val="solid"/>
+                </a:ln>
+                <a:solidFill>
+                  <a:srgbClr val="FFFFFF"/>
+                </a:solidFill>
+                <a:effectLst>
+                  <a:outerShdw blurRad="38100" dist="22860" dir="5400000" algn="tl" rotWithShape="0">
+                    <a:srgbClr val="000000">
+                      <a:alpha val="30000"/>
+                    </a:srgbClr>
+                  </a:outerShdw>
+                </a:effectLst>
+              </a:rPr>
+              <a:t>学习目标（第二周）</a:t>
+            </a:r>
+            <a:endParaRPr lang="zh-CN" altLang="en-US" b="1">
+              <a:ln w="10160">
+                <a:solidFill>
+                  <a:schemeClr val="accent5"/>
+                </a:solidFill>
+                <a:prstDash val="solid"/>
+              </a:ln>
+              <a:solidFill>
+                <a:srgbClr val="FFFFFF"/>
+              </a:solidFill>
+              <a:effectLst>
+                <a:outerShdw blurRad="38100" dist="22860" dir="5400000" algn="tl" rotWithShape="0">
+                  <a:srgbClr val="000000">
+                    <a:alpha val="30000"/>
+                  </a:srgbClr>
+                </a:outerShdw>
+              </a:effectLst>
+            </a:endParaRPr>
           </a:p>
         </p:txBody>
       </p:sp>
@@ -8117,9 +8152,238 @@
             <p:ph idx="1"/>
           </p:nvPr>
         </p:nvSpPr>
-        <p:spPr/>
-        <p:txBody>
-          <a:bodyPr/>
+        <p:spPr>
+          <a:xfrm>
+            <a:off x="838200" y="1871345"/>
+            <a:ext cx="10515600" cy="4351338"/>
+          </a:xfrm>
+        </p:spPr>
+        <p:txBody>
+          <a:bodyPr/>
+          <a:p>
+            <a:r>
+              <a:rPr lang="zh-CN" altLang="en-US">
+                <a:solidFill>
+                  <a:srgbClr val="FF0000"/>
+                </a:solidFill>
+                <a:effectLst>
+                  <a:outerShdw blurRad="38100" dist="19050" dir="2700000" algn="tl" rotWithShape="0">
+                    <a:schemeClr val="dk1">
+                      <a:alpha val="40000"/>
+                    </a:schemeClr>
+                  </a:outerShdw>
+                </a:effectLst>
+                <a:sym typeface="+mn-ea"/>
+              </a:rPr>
+              <a:t>掌握本节课所学单词（读写）</a:t>
+            </a:r>
+            <a:endParaRPr lang="zh-CN" altLang="en-US">
+              <a:solidFill>
+                <a:srgbClr val="FF0000"/>
+              </a:solidFill>
+              <a:effectLst>
+                <a:outerShdw blurRad="38100" dist="19050" dir="2700000" algn="tl" rotWithShape="0">
+                  <a:schemeClr val="dk1">
+                    <a:alpha val="40000"/>
+                  </a:schemeClr>
+                </a:outerShdw>
+              </a:effectLst>
+            </a:endParaRPr>
+          </a:p>
+          <a:p>
+            <a:r>
+              <a:rPr lang="zh-CN" altLang="en-US">
+                <a:solidFill>
+                  <a:srgbClr val="FF0000"/>
+                </a:solidFill>
+                <a:effectLst>
+                  <a:outerShdw blurRad="38100" dist="19050" dir="2700000" algn="tl" rotWithShape="0">
+                    <a:schemeClr val="dk1">
+                      <a:alpha val="40000"/>
+                    </a:schemeClr>
+                  </a:outerShdw>
+                </a:effectLst>
+              </a:rPr>
+              <a:t>理解</a:t>
+            </a:r>
+            <a:r>
+              <a:rPr lang="en-US" altLang="zh-CN">
+                <a:solidFill>
+                  <a:srgbClr val="FF0000"/>
+                </a:solidFill>
+                <a:effectLst>
+                  <a:outerShdw blurRad="38100" dist="19050" dir="2700000" algn="tl" rotWithShape="0">
+                    <a:schemeClr val="dk1">
+                      <a:alpha val="40000"/>
+                    </a:schemeClr>
+                  </a:outerShdw>
+                </a:effectLst>
+              </a:rPr>
+              <a:t>IDLE</a:t>
+            </a:r>
+            <a:r>
+              <a:rPr lang="zh-CN" altLang="en-US">
+                <a:solidFill>
+                  <a:srgbClr val="FF0000"/>
+                </a:solidFill>
+                <a:effectLst>
+                  <a:outerShdw blurRad="38100" dist="19050" dir="2700000" algn="tl" rotWithShape="0">
+                    <a:schemeClr val="dk1">
+                      <a:alpha val="40000"/>
+                    </a:schemeClr>
+                  </a:outerShdw>
+                </a:effectLst>
+              </a:rPr>
+              <a:t>编程软件应用窗口与文件窗口的区别</a:t>
+            </a:r>
+            <a:endParaRPr lang="en-US" altLang="zh-CN">
+              <a:solidFill>
+                <a:srgbClr val="FF0000"/>
+              </a:solidFill>
+              <a:effectLst>
+                <a:outerShdw blurRad="38100" dist="19050" dir="2700000" algn="tl" rotWithShape="0">
+                  <a:schemeClr val="dk1">
+                    <a:alpha val="40000"/>
+                  </a:schemeClr>
+                </a:outerShdw>
+              </a:effectLst>
+            </a:endParaRPr>
+          </a:p>
+          <a:p>
+            <a:r>
+              <a:rPr lang="zh-CN" altLang="en-US">
+                <a:solidFill>
+                  <a:srgbClr val="FF0000"/>
+                </a:solidFill>
+                <a:effectLst>
+                  <a:outerShdw blurRad="38100" dist="19050" dir="2700000" algn="tl" rotWithShape="0">
+                    <a:schemeClr val="dk1">
+                      <a:alpha val="40000"/>
+                    </a:schemeClr>
+                  </a:outerShdw>
+                </a:effectLst>
+              </a:rPr>
+              <a:t>使用</a:t>
+            </a:r>
+            <a:r>
+              <a:rPr lang="en-US" altLang="zh-CN">
+                <a:solidFill>
+                  <a:srgbClr val="FF0000"/>
+                </a:solidFill>
+                <a:effectLst>
+                  <a:outerShdw blurRad="38100" dist="19050" dir="2700000" algn="tl" rotWithShape="0">
+                    <a:schemeClr val="dk1">
+                      <a:alpha val="40000"/>
+                    </a:schemeClr>
+                  </a:outerShdw>
+                </a:effectLst>
+              </a:rPr>
+              <a:t>IDLE</a:t>
+            </a:r>
+            <a:r>
+              <a:rPr lang="zh-CN" altLang="en-US">
+                <a:solidFill>
+                  <a:srgbClr val="FF0000"/>
+                </a:solidFill>
+                <a:effectLst>
+                  <a:outerShdw blurRad="38100" dist="19050" dir="2700000" algn="tl" rotWithShape="0">
+                    <a:schemeClr val="dk1">
+                      <a:alpha val="40000"/>
+                    </a:schemeClr>
+                  </a:outerShdw>
+                </a:effectLst>
+              </a:rPr>
+              <a:t>编程软件进行文件打开，编辑，存储操作</a:t>
+            </a:r>
+            <a:endParaRPr lang="zh-CN" altLang="en-US">
+              <a:solidFill>
+                <a:srgbClr val="FF0000"/>
+              </a:solidFill>
+              <a:effectLst>
+                <a:outerShdw blurRad="38100" dist="19050" dir="2700000" algn="tl" rotWithShape="0">
+                  <a:schemeClr val="dk1">
+                    <a:alpha val="40000"/>
+                  </a:schemeClr>
+                </a:outerShdw>
+              </a:effectLst>
+            </a:endParaRPr>
+          </a:p>
+          <a:p>
+            <a:r>
+              <a:rPr lang="zh-CN" altLang="en-US">
+                <a:solidFill>
+                  <a:srgbClr val="FF0000"/>
+                </a:solidFill>
+                <a:effectLst>
+                  <a:outerShdw blurRad="38100" dist="19050" dir="2700000" algn="tl" rotWithShape="0">
+                    <a:schemeClr val="dk1">
+                      <a:alpha val="40000"/>
+                    </a:schemeClr>
+                  </a:outerShdw>
+                </a:effectLst>
+              </a:rPr>
+              <a:t>使用所学知识编写</a:t>
+            </a:r>
+            <a:r>
+              <a:rPr lang="en-US" altLang="zh-CN">
+                <a:solidFill>
+                  <a:srgbClr val="FF0000"/>
+                </a:solidFill>
+                <a:effectLst>
+                  <a:outerShdw blurRad="38100" dist="19050" dir="2700000" algn="tl" rotWithShape="0">
+                    <a:schemeClr val="dk1">
+                      <a:alpha val="40000"/>
+                    </a:schemeClr>
+                  </a:outerShdw>
+                </a:effectLst>
+              </a:rPr>
+              <a:t>10</a:t>
+            </a:r>
+            <a:r>
+              <a:rPr lang="zh-CN" altLang="en-US">
+                <a:solidFill>
+                  <a:srgbClr val="FF0000"/>
+                </a:solidFill>
+                <a:effectLst>
+                  <a:outerShdw blurRad="38100" dist="19050" dir="2700000" algn="tl" rotWithShape="0">
+                    <a:schemeClr val="dk1">
+                      <a:alpha val="40000"/>
+                    </a:schemeClr>
+                  </a:outerShdw>
+                </a:effectLst>
+              </a:rPr>
+              <a:t>行以上小程序</a:t>
+            </a:r>
+            <a:endParaRPr lang="zh-CN" altLang="en-US">
+              <a:solidFill>
+                <a:srgbClr val="FF0000"/>
+              </a:solidFill>
+              <a:effectLst>
+                <a:outerShdw blurRad="38100" dist="19050" dir="2700000" algn="tl" rotWithShape="0">
+                  <a:schemeClr val="dk1">
+                    <a:alpha val="40000"/>
+                  </a:schemeClr>
+                </a:outerShdw>
+              </a:effectLst>
+            </a:endParaRPr>
+          </a:p>
+          <a:p>
+            <a:pPr marL="0" indent="0">
+              <a:buNone/>
+            </a:pPr>
+            <a:endParaRPr lang="zh-CN" altLang="en-US">
+              <a:solidFill>
+                <a:srgbClr val="FF0000"/>
+              </a:solidFill>
+              <a:effectLst>
+                <a:outerShdw blurRad="38100" dist="19050" dir="2700000" algn="tl" rotWithShape="0">
+                  <a:schemeClr val="dk1">
+                    <a:alpha val="40000"/>
+                  </a:schemeClr>
+                </a:outerShdw>
+              </a:effectLst>
+            </a:endParaRPr>
+          </a:p>
           <a:p>
             <a:pPr marL="0" indent="0">
               <a:buNone/>
@@ -8160,7 +8424,11 @@
         <p:txBody>
           <a:bodyPr/>
           <a:p>
-            <a:endParaRPr lang="zh-CN" altLang="en-US"/>
+            <a:r>
+              <a:rPr lang="en-US" altLang="zh-CN"/>
+              <a:t>IDLE</a:t>
+            </a:r>
+            <a:endParaRPr lang="en-US" altLang="zh-CN"/>
           </a:p>
         </p:txBody>
       </p:sp>
@@ -8178,6 +8446,107 @@
         <p:txBody>
           <a:bodyPr/>
           <a:p>
+            <a:r>
+              <a:rPr lang="zh-CN" altLang="en-US"/>
+              <a:t>直接打开</a:t>
+            </a:r>
+            <a:r>
+              <a:rPr lang="en-US" altLang="zh-CN"/>
+              <a:t>IDLE</a:t>
+            </a:r>
+            <a:r>
+              <a:rPr lang="zh-CN" altLang="en-US"/>
+              <a:t>编程软件，光标会停留在</a:t>
+            </a:r>
+            <a:r>
+              <a:rPr lang="en-US" altLang="zh-CN">
+                <a:solidFill>
+                  <a:srgbClr val="FF0000"/>
+                </a:solidFill>
+              </a:rPr>
+              <a:t>&gt;&gt;&gt;</a:t>
+            </a:r>
+            <a:r>
+              <a:rPr lang="zh-CN" altLang="en-US"/>
+              <a:t>之后，这时候我们可以执行简单的命令，比如进行计算，列出算式之后回车，直接执行</a:t>
+            </a:r>
+            <a:endParaRPr lang="zh-CN" altLang="en-US"/>
+          </a:p>
+        </p:txBody>
+      </p:sp>
+      <p:pic>
+        <p:nvPicPr>
+          <p:cNvPr id="4" name="图片 3"/>
+          <p:cNvPicPr>
+            <a:picLocks noChangeAspect="1"/>
+          </p:cNvPicPr>
+          <p:nvPr/>
+        </p:nvPicPr>
+        <p:blipFill>
+          <a:blip r:embed="rId1"/>
+          <a:stretch>
+            <a:fillRect/>
+          </a:stretch>
+        </p:blipFill>
+        <p:spPr>
+          <a:xfrm>
+            <a:off x="1219200" y="2980055"/>
+            <a:ext cx="2990215" cy="2457450"/>
+          </a:xfrm>
+          <a:prstGeom prst="rect">
+            <a:avLst/>
+          </a:prstGeom>
+        </p:spPr>
+      </p:pic>
+      <p:pic>
+        <p:nvPicPr>
+          <p:cNvPr id="5" name="图片 4"/>
+          <p:cNvPicPr>
+            <a:picLocks noChangeAspect="1"/>
+          </p:cNvPicPr>
+          <p:nvPr/>
+        </p:nvPicPr>
+        <p:blipFill>
+          <a:blip r:embed="rId2"/>
+          <a:stretch>
+            <a:fillRect/>
+          </a:stretch>
+        </p:blipFill>
+        <p:spPr>
+          <a:xfrm>
+            <a:off x="4377690" y="2980055"/>
+            <a:ext cx="7352665" cy="2552065"/>
+          </a:xfrm>
+          <a:prstGeom prst="rect">
+            <a:avLst/>
+          </a:prstGeom>
+        </p:spPr>
+      </p:pic>
+      <p:sp>
+        <p:nvSpPr>
+          <p:cNvPr id="6" name="文本框 5"/>
+          <p:cNvSpPr txBox="1"/>
+          <p:nvPr/>
+        </p:nvSpPr>
+        <p:spPr>
+          <a:xfrm>
+            <a:off x="1223010" y="5822950"/>
+            <a:ext cx="10506710" cy="645160"/>
+          </a:xfrm>
+          <a:prstGeom prst="rect">
+            <a:avLst/>
+          </a:prstGeom>
+          <a:noFill/>
+        </p:spPr>
+        <p:txBody>
+          <a:bodyPr wrap="square" rtlCol="0">
+            <a:spAutoFit/>
+          </a:bodyPr>
+          <a:p>
+            <a:r>
+              <a:rPr lang="zh-CN" altLang="en-US"/>
+              <a:t>显然，我们要编写的程序是无法用一行来完成的，而且我们还需要将我们所写的程序保存下来，所以，我们需要创建属于自己的文件</a:t>
+            </a:r>
             <a:endParaRPr lang="zh-CN" altLang="en-US"/>
           </a:p>
         </p:txBody>
@@ -8794,6 +9163,14 @@
         <p:txBody>
           <a:bodyPr/>
           <a:p>
+            <a:r>
+              <a:rPr lang="en-US" altLang="zh-CN"/>
+              <a:t>IDLE</a:t>
+            </a:r>
+            <a:r>
+              <a:rPr lang="zh-CN" altLang="en-US"/>
+              <a:t>文件处理</a:t>
+            </a:r>
             <a:endParaRPr lang="zh-CN" altLang="en-US"/>
           </a:p>
         </p:txBody>
@@ -8812,10 +9189,86 @@
         <p:txBody>
           <a:bodyPr/>
           <a:p>
-            <a:endParaRPr lang="zh-CN" altLang="en-US"/>
-          </a:p>
-        </p:txBody>
-      </p:sp>
+            <a:r>
+              <a:rPr lang="zh-CN" altLang="en-US"/>
+              <a:t>创建文件，打开</a:t>
+            </a:r>
+            <a:r>
+              <a:rPr lang="en-US" altLang="zh-CN"/>
+              <a:t>IDLE</a:t>
+            </a:r>
+            <a:r>
+              <a:rPr lang="zh-CN" altLang="en-US"/>
+              <a:t>，点击左上方</a:t>
+            </a:r>
+            <a:r>
+              <a:rPr lang="en-US" altLang="zh-CN"/>
+              <a:t>File</a:t>
+            </a:r>
+            <a:r>
+              <a:rPr lang="zh-CN" altLang="en-US"/>
+              <a:t>，再点击</a:t>
+            </a:r>
+            <a:r>
+              <a:rPr lang="en-US" altLang="zh-CN"/>
+              <a:t>New File</a:t>
+            </a:r>
+            <a:r>
+              <a:rPr lang="zh-CN" altLang="en-US"/>
+              <a:t>，创建出一个新的可编辑窗口</a:t>
+            </a:r>
+            <a:endParaRPr lang="zh-CN" altLang="en-US"/>
+          </a:p>
+        </p:txBody>
+      </p:sp>
+      <p:pic>
+        <p:nvPicPr>
+          <p:cNvPr id="4" name="图片 3"/>
+          <p:cNvPicPr>
+            <a:picLocks noChangeAspect="1"/>
+          </p:cNvPicPr>
+          <p:nvPr/>
+        </p:nvPicPr>
+        <p:blipFill>
+          <a:blip r:embed="rId1"/>
+          <a:stretch>
+            <a:fillRect/>
+          </a:stretch>
+        </p:blipFill>
+        <p:spPr>
+          <a:xfrm>
+            <a:off x="1015365" y="2703830"/>
+            <a:ext cx="3399790" cy="2856865"/>
+          </a:xfrm>
+          <a:prstGeom prst="rect">
+            <a:avLst/>
+          </a:prstGeom>
+        </p:spPr>
+      </p:pic>
+      <p:pic>
+        <p:nvPicPr>
+          <p:cNvPr id="5" name="图片 4"/>
+          <p:cNvPicPr>
+            <a:picLocks noChangeAspect="1"/>
+          </p:cNvPicPr>
+          <p:nvPr/>
+        </p:nvPicPr>
+        <p:blipFill>
+          <a:blip r:embed="rId2"/>
+          <a:stretch>
+            <a:fillRect/>
+          </a:stretch>
+        </p:blipFill>
+        <p:spPr>
+          <a:xfrm>
+            <a:off x="6743700" y="2703830"/>
+            <a:ext cx="4180840" cy="3618865"/>
+          </a:xfrm>
+          <a:prstGeom prst="rect">
+            <a:avLst/>
+          </a:prstGeom>
+        </p:spPr>
+      </p:pic>
     </p:spTree>
   </p:cSld>
   <p:clrMapOvr>
@@ -8836,24 +9289,6 @@
       <p:grpSpPr/>
       <p:sp>
         <p:nvSpPr>
-          <p:cNvPr id="2" name="标题 1"/>
-          <p:cNvSpPr>
-            <a:spLocks noGrp="1"/>
-          </p:cNvSpPr>
-          <p:nvPr>
-            <p:ph type="title"/>
-          </p:nvPr>
-        </p:nvSpPr>
-        <p:spPr/>
-        <p:txBody>
-          <a:bodyPr/>
-          <a:p>
-            <a:endParaRPr lang="zh-CN" altLang="en-US"/>
-          </a:p>
-        </p:txBody>
-      </p:sp>
-      <p:sp>
-        <p:nvSpPr>
           <p:cNvPr id="3" name="内容占位符 2"/>
           <p:cNvSpPr>
             <a:spLocks noGrp="1"/>
@@ -8862,10 +9297,72 @@
             <p:ph idx="1"/>
           </p:nvPr>
         </p:nvSpPr>
-        <p:spPr/>
-        <p:txBody>
-          <a:bodyPr/>
-          <a:p>
+        <p:spPr>
+          <a:xfrm>
+            <a:off x="960755" y="1014730"/>
+            <a:ext cx="10515600" cy="4351338"/>
+          </a:xfrm>
+        </p:spPr>
+        <p:txBody>
+          <a:bodyPr/>
+          <a:p>
+            <a:r>
+              <a:rPr lang="zh-CN" altLang="en-US"/>
+              <a:t>编辑程序，在新打开的窗口进行编程</a:t>
+            </a:r>
+            <a:endParaRPr lang="en-US" altLang="zh-CN"/>
+          </a:p>
+        </p:txBody>
+      </p:sp>
+      <p:pic>
+        <p:nvPicPr>
+          <p:cNvPr id="4" name="图片 3"/>
+          <p:cNvPicPr>
+            <a:picLocks noChangeAspect="1"/>
+          </p:cNvPicPr>
+          <p:nvPr/>
+        </p:nvPicPr>
+        <p:blipFill>
+          <a:blip r:embed="rId1"/>
+          <a:stretch>
+            <a:fillRect/>
+          </a:stretch>
+        </p:blipFill>
+        <p:spPr>
+          <a:xfrm>
+            <a:off x="2900680" y="1781175"/>
+            <a:ext cx="6390640" cy="2818765"/>
+          </a:xfrm>
+          <a:prstGeom prst="rect">
+            <a:avLst/>
+          </a:prstGeom>
+        </p:spPr>
+      </p:pic>
+      <p:sp>
+        <p:nvSpPr>
+          <p:cNvPr id="6" name="文本框 5"/>
+          <p:cNvSpPr txBox="1"/>
+          <p:nvPr/>
+        </p:nvSpPr>
+        <p:spPr>
+          <a:xfrm>
+            <a:off x="1238250" y="5103495"/>
+            <a:ext cx="9683115" cy="645160"/>
+          </a:xfrm>
+          <a:prstGeom prst="rect">
+            <a:avLst/>
+          </a:prstGeom>
+          <a:noFill/>
+        </p:spPr>
+        <p:txBody>
+          <a:bodyPr wrap="square" rtlCol="0">
+            <a:spAutoFit/>
+          </a:bodyPr>
+          <a:p>
+            <a:r>
+              <a:rPr lang="zh-CN" altLang="en-US"/>
+              <a:t>如图，在新窗口下编程，程序并不会被立刻执行，我们需要编写多行程序，来更好的实现我们作图的需求</a:t>
+            </a:r>
             <a:endParaRPr lang="zh-CN" altLang="en-US"/>
           </a:p>
         </p:txBody>
@@ -8890,24 +9387,6 @@
       <p:grpSpPr/>
       <p:sp>
         <p:nvSpPr>
-          <p:cNvPr id="2" name="标题 1"/>
-          <p:cNvSpPr>
-            <a:spLocks noGrp="1"/>
-          </p:cNvSpPr>
-          <p:nvPr>
-            <p:ph type="title"/>
-          </p:nvPr>
-        </p:nvSpPr>
-        <p:spPr/>
-        <p:txBody>
-          <a:bodyPr/>
-          <a:p>
-            <a:endParaRPr lang="zh-CN" altLang="en-US"/>
-          </a:p>
-        </p:txBody>
-      </p:sp>
-      <p:sp>
-        <p:nvSpPr>
           <p:cNvPr id="3" name="内容占位符 2"/>
           <p:cNvSpPr>
             <a:spLocks noGrp="1"/>
@@ -8916,14 +9395,87 @@
             <p:ph idx="1"/>
           </p:nvPr>
         </p:nvSpPr>
-        <p:spPr/>
-        <p:txBody>
-          <a:bodyPr/>
-          <a:p>
-            <a:endParaRPr lang="zh-CN" altLang="en-US"/>
-          </a:p>
-        </p:txBody>
-      </p:sp>
+        <p:spPr>
+          <a:xfrm>
+            <a:off x="838200" y="984250"/>
+            <a:ext cx="10515600" cy="4351338"/>
+          </a:xfrm>
+        </p:spPr>
+        <p:txBody>
+          <a:bodyPr/>
+          <a:p>
+            <a:r>
+              <a:rPr lang="zh-CN" altLang="en-US"/>
+              <a:t>保存文件。当我们编写完程序之后，需要先保存然后才能运行。点击左上方</a:t>
+            </a:r>
+            <a:r>
+              <a:rPr lang="en-US" altLang="zh-CN"/>
+              <a:t>File</a:t>
+            </a:r>
+            <a:r>
+              <a:rPr lang="zh-CN" altLang="en-US"/>
+              <a:t>，然后再点击</a:t>
+            </a:r>
+            <a:r>
+              <a:rPr lang="en-US" altLang="zh-CN"/>
+              <a:t>Save</a:t>
+            </a:r>
+            <a:r>
+              <a:rPr lang="zh-CN" altLang="en-US"/>
+              <a:t>，保存的时候我们需要写上保存文件的名字。</a:t>
+            </a:r>
+            <a:endParaRPr lang="zh-CN" altLang="en-US"/>
+          </a:p>
+        </p:txBody>
+      </p:sp>
+      <p:pic>
+        <p:nvPicPr>
+          <p:cNvPr id="4" name="图片 3"/>
+          <p:cNvPicPr>
+            <a:picLocks noChangeAspect="1"/>
+          </p:cNvPicPr>
+          <p:nvPr/>
+        </p:nvPicPr>
+        <p:blipFill>
+          <a:blip r:embed="rId1"/>
+          <a:stretch>
+            <a:fillRect/>
+          </a:stretch>
+        </p:blipFill>
+        <p:spPr>
+          <a:xfrm>
+            <a:off x="1223645" y="2470785"/>
+            <a:ext cx="3533140" cy="3171190"/>
+          </a:xfrm>
+          <a:prstGeom prst="rect">
+            <a:avLst/>
+          </a:prstGeom>
+        </p:spPr>
+      </p:pic>
+      <p:pic>
+        <p:nvPicPr>
+          <p:cNvPr id="5" name="图片 4"/>
+          <p:cNvPicPr>
+            <a:picLocks noChangeAspect="1"/>
+          </p:cNvPicPr>
+          <p:nvPr/>
+        </p:nvPicPr>
+        <p:blipFill>
+          <a:blip r:embed="rId2"/>
+          <a:stretch>
+            <a:fillRect/>
+          </a:stretch>
+        </p:blipFill>
+        <p:spPr>
+          <a:xfrm>
+            <a:off x="5302885" y="2075815"/>
+            <a:ext cx="6050915" cy="4206240"/>
+          </a:xfrm>
+          <a:prstGeom prst="rect">
+            <a:avLst/>
+          </a:prstGeom>
+        </p:spPr>
+      </p:pic>
     </p:spTree>
   </p:cSld>
   <p:clrMapOvr>
@@ -8944,24 +9496,6 @@
       <p:grpSpPr/>
       <p:sp>
         <p:nvSpPr>
-          <p:cNvPr id="2" name="标题 1"/>
-          <p:cNvSpPr>
-            <a:spLocks noGrp="1"/>
-          </p:cNvSpPr>
-          <p:nvPr>
-            <p:ph type="title"/>
-          </p:nvPr>
-        </p:nvSpPr>
-        <p:spPr/>
-        <p:txBody>
-          <a:bodyPr/>
-          <a:p>
-            <a:endParaRPr lang="zh-CN" altLang="en-US"/>
-          </a:p>
-        </p:txBody>
-      </p:sp>
-      <p:sp>
-        <p:nvSpPr>
           <p:cNvPr id="3" name="内容占位符 2"/>
           <p:cNvSpPr>
             <a:spLocks noGrp="1"/>
@@ -8970,14 +9504,67 @@
             <p:ph idx="1"/>
           </p:nvPr>
         </p:nvSpPr>
-        <p:spPr/>
-        <p:txBody>
-          <a:bodyPr/>
-          <a:p>
-            <a:endParaRPr lang="zh-CN" altLang="en-US"/>
-          </a:p>
-        </p:txBody>
-      </p:sp>
+        <p:spPr>
+          <a:xfrm>
+            <a:off x="838200" y="984885"/>
+            <a:ext cx="10515600" cy="4351338"/>
+          </a:xfrm>
+        </p:spPr>
+        <p:txBody>
+          <a:bodyPr/>
+          <a:p>
+            <a:r>
+              <a:rPr lang="zh-CN" altLang="en-US"/>
+              <a:t>程序运行。保存完文件，点击上方</a:t>
+            </a:r>
+            <a:r>
+              <a:rPr lang="en-US" altLang="zh-CN"/>
+              <a:t>Run</a:t>
+            </a:r>
+            <a:r>
+              <a:rPr lang="zh-CN" altLang="en-US"/>
+              <a:t>，然后点击</a:t>
+            </a:r>
+            <a:r>
+              <a:rPr lang="en-US" altLang="zh-CN"/>
+              <a:t>Run Module</a:t>
+            </a:r>
+            <a:r>
+              <a:rPr lang="zh-CN" altLang="en-US"/>
+              <a:t>，运行程序。或者可以按快捷键</a:t>
+            </a:r>
+            <a:r>
+              <a:rPr lang="en-US" altLang="zh-CN"/>
+              <a:t>F5</a:t>
+            </a:r>
+            <a:endParaRPr lang="en-US" altLang="zh-CN"/>
+          </a:p>
+        </p:txBody>
+      </p:sp>
+      <p:pic>
+        <p:nvPicPr>
+          <p:cNvPr id="4" name="图片 3"/>
+          <p:cNvPicPr>
+            <a:picLocks noChangeAspect="1"/>
+          </p:cNvPicPr>
+          <p:nvPr/>
+        </p:nvPicPr>
+        <p:blipFill>
+          <a:blip r:embed="rId1"/>
+          <a:stretch>
+            <a:fillRect/>
+          </a:stretch>
+        </p:blipFill>
+        <p:spPr>
+          <a:xfrm>
+            <a:off x="2063115" y="2654935"/>
+            <a:ext cx="8066405" cy="3352165"/>
+          </a:xfrm>
+          <a:prstGeom prst="rect">
+            <a:avLst/>
+          </a:prstGeom>
+        </p:spPr>
+      </p:pic>
     </p:spTree>
   </p:cSld>
   <p:clrMapOvr>
@@ -9010,7 +9597,39 @@
         <p:txBody>
           <a:bodyPr/>
           <a:p>
-            <a:endParaRPr lang="zh-CN" altLang="en-US"/>
+            <a:r>
+              <a:rPr lang="zh-CN" altLang="en-US">
+                <a:ln w="22225">
+                  <a:solidFill>
+                    <a:schemeClr val="accent2"/>
+                  </a:solidFill>
+                  <a:prstDash val="solid"/>
+                </a:ln>
+                <a:solidFill>
+                  <a:schemeClr val="accent2">
+                    <a:lumMod val="40000"/>
+                    <a:lumOff val="60000"/>
+                  </a:schemeClr>
+                </a:solidFill>
+                <a:effectLst/>
+              </a:rPr>
+              <a:t>开启编程之旅</a:t>
+            </a:r>
+            <a:endParaRPr lang="zh-CN" altLang="en-US">
+              <a:ln w="22225">
+                <a:solidFill>
+                  <a:schemeClr val="accent2"/>
+                </a:solidFill>
+                <a:prstDash val="solid"/>
+              </a:ln>
+              <a:solidFill>
+                <a:schemeClr val="accent2">
+                  <a:lumMod val="40000"/>
+                  <a:lumOff val="60000"/>
+                </a:schemeClr>
+              </a:solidFill>
+              <a:effectLst/>
+            </a:endParaRPr>
           </a:p>
         </p:txBody>
       </p:sp>
@@ -9064,6 +9683,10 @@
         <p:txBody>
           <a:bodyPr/>
           <a:p>
+            <a:r>
+              <a:rPr lang="zh-CN" altLang="en-US"/>
+              <a:t>课后练习</a:t>
+            </a:r>
             <a:endParaRPr lang="zh-CN" altLang="en-US"/>
           </a:p>
         </p:txBody>
@@ -9082,6 +9705,9 @@
         <p:txBody>
           <a:bodyPr/>
           <a:p>
+            <a:pPr marL="0" indent="0">
+              <a:buNone/>
+            </a:pPr>
             <a:endParaRPr lang="zh-CN" altLang="en-US"/>
           </a:p>
         </p:txBody>
@@ -10785,6 +11411,60 @@
 </file>
 
 <file path=ppt/slides/slide53.xml><?xml version="1.0" encoding="utf-8"?>
+<p:sld xmlns:a="http://schemas.openxmlformats.org/drawingml/2006/main" xmlns:r="http://schemas.openxmlformats.org/officeDocument/2006/relationships" xmlns:p="http://schemas.openxmlformats.org/presentationml/2006/main">
+  <p:cSld>
+    <p:spTree>
+      <p:nvGrpSpPr>
+        <p:cNvPr id="1" name=""/>
+        <p:cNvGrpSpPr/>
+        <p:nvPr/>
+      </p:nvGrpSpPr>
+      <p:grpSpPr/>
+      <p:sp>
+        <p:nvSpPr>
+          <p:cNvPr id="2" name="标题 1"/>
+          <p:cNvSpPr>
+            <a:spLocks noGrp="1"/>
+          </p:cNvSpPr>
+          <p:nvPr>
+            <p:ph type="title"/>
+          </p:nvPr>
+        </p:nvSpPr>
+        <p:spPr/>
+        <p:txBody>
+          <a:bodyPr/>
+          <a:p>
+            <a:endParaRPr lang="zh-CN" altLang="en-US"/>
+          </a:p>
+        </p:txBody>
+      </p:sp>
+      <p:sp>
+        <p:nvSpPr>
+          <p:cNvPr id="3" name="内容占位符 2"/>
+          <p:cNvSpPr>
+            <a:spLocks noGrp="1"/>
+          </p:cNvSpPr>
+          <p:nvPr>
+            <p:ph idx="1"/>
+          </p:nvPr>
+        </p:nvSpPr>
+        <p:spPr/>
+        <p:txBody>
+          <a:bodyPr/>
+          <a:p>
+            <a:endParaRPr lang="zh-CN" altLang="en-US"/>
+          </a:p>
+        </p:txBody>
+      </p:sp>
+    </p:spTree>
+  </p:cSld>
+  <p:clrMapOvr>
+    <a:masterClrMapping/>
+  </p:clrMapOvr>
+</p:sld>
+</file>
+
+<file path=ppt/slides/slide54.xml><?xml version="1.0" encoding="utf-8"?>
 <p:sld xmlns:a="http://schemas.openxmlformats.org/drawingml/2006/main" xmlns:r="http://schemas.openxmlformats.org/officeDocument/2006/relationships" xmlns:p="http://schemas.openxmlformats.org/presentationml/2006/main">
   <p:cSld>
     <p:spTree>

--- a/Python01.pptx
+++ b/Python01.pptx
@@ -38,27 +38,31 @@
     <p:sldId id="286" r:id="rId33"/>
     <p:sldId id="287" r:id="rId34"/>
     <p:sldId id="288" r:id="rId35"/>
-    <p:sldId id="289" r:id="rId36"/>
-    <p:sldId id="279" r:id="rId37"/>
-    <p:sldId id="290" r:id="rId38"/>
-    <p:sldId id="291" r:id="rId39"/>
-    <p:sldId id="292" r:id="rId40"/>
-    <p:sldId id="293" r:id="rId41"/>
-    <p:sldId id="294" r:id="rId42"/>
-    <p:sldId id="295" r:id="rId43"/>
-    <p:sldId id="296" r:id="rId44"/>
-    <p:sldId id="297" r:id="rId45"/>
-    <p:sldId id="298" r:id="rId46"/>
-    <p:sldId id="299" r:id="rId47"/>
-    <p:sldId id="300" r:id="rId48"/>
-    <p:sldId id="301" r:id="rId49"/>
-    <p:sldId id="302" r:id="rId50"/>
-    <p:sldId id="303" r:id="rId51"/>
-    <p:sldId id="304" r:id="rId52"/>
-    <p:sldId id="305" r:id="rId53"/>
-    <p:sldId id="306" r:id="rId54"/>
-    <p:sldId id="307" r:id="rId55"/>
-    <p:sldId id="276" r:id="rId56"/>
+    <p:sldId id="398" r:id="rId36"/>
+    <p:sldId id="400" r:id="rId37"/>
+    <p:sldId id="423" r:id="rId38"/>
+    <p:sldId id="399" r:id="rId39"/>
+    <p:sldId id="289" r:id="rId40"/>
+    <p:sldId id="279" r:id="rId41"/>
+    <p:sldId id="290" r:id="rId42"/>
+    <p:sldId id="291" r:id="rId43"/>
+    <p:sldId id="292" r:id="rId44"/>
+    <p:sldId id="293" r:id="rId45"/>
+    <p:sldId id="294" r:id="rId46"/>
+    <p:sldId id="295" r:id="rId47"/>
+    <p:sldId id="296" r:id="rId48"/>
+    <p:sldId id="297" r:id="rId49"/>
+    <p:sldId id="298" r:id="rId50"/>
+    <p:sldId id="299" r:id="rId51"/>
+    <p:sldId id="300" r:id="rId52"/>
+    <p:sldId id="301" r:id="rId53"/>
+    <p:sldId id="302" r:id="rId54"/>
+    <p:sldId id="303" r:id="rId55"/>
+    <p:sldId id="304" r:id="rId56"/>
+    <p:sldId id="305" r:id="rId57"/>
+    <p:sldId id="306" r:id="rId58"/>
+    <p:sldId id="307" r:id="rId59"/>
+    <p:sldId id="276" r:id="rId60"/>
   </p:sldIdLst>
   <p:sldSz cx="12192000" cy="6858000"/>
   <p:notesSz cx="6858000" cy="9144000"/>
@@ -9598,38 +9602,18 @@
           <a:bodyPr/>
           <a:p>
             <a:r>
-              <a:rPr lang="zh-CN" altLang="en-US">
-                <a:ln w="22225">
-                  <a:solidFill>
-                    <a:schemeClr val="accent2"/>
-                  </a:solidFill>
-                  <a:prstDash val="solid"/>
-                </a:ln>
-                <a:solidFill>
-                  <a:schemeClr val="accent2">
-                    <a:lumMod val="40000"/>
-                    <a:lumOff val="60000"/>
-                  </a:schemeClr>
-                </a:solidFill>
-                <a:effectLst/>
-              </a:rPr>
-              <a:t>开启编程之旅</a:t>
-            </a:r>
-            <a:endParaRPr lang="zh-CN" altLang="en-US">
-              <a:ln w="22225">
-                <a:solidFill>
-                  <a:schemeClr val="accent2"/>
-                </a:solidFill>
-                <a:prstDash val="solid"/>
-              </a:ln>
-              <a:solidFill>
-                <a:schemeClr val="accent2">
-                  <a:lumMod val="40000"/>
-                  <a:lumOff val="60000"/>
-                </a:schemeClr>
-              </a:solidFill>
-              <a:effectLst/>
-            </a:endParaRPr>
+              <a:rPr lang="en-US" altLang="zh-CN"/>
+              <a:t>                                </a:t>
+            </a:r>
+            <a:r>
+              <a:rPr lang="zh-CN" altLang="zh-CN"/>
+              <a:t>单词速记</a:t>
+            </a:r>
+            <a:r>
+              <a:rPr lang="en-US" altLang="zh-CN"/>
+              <a:t>2</a:t>
+            </a:r>
+            <a:endParaRPr lang="en-US" altLang="zh-CN"/>
           </a:p>
         </p:txBody>
       </p:sp>
@@ -9647,7 +9631,12 @@
         <p:txBody>
           <a:bodyPr/>
           <a:p>
-            <a:endParaRPr lang="zh-CN" altLang="en-US"/>
+            <a:pPr algn="ctr"/>
+            <a:r>
+              <a:rPr lang="en-US" altLang="zh-CN"/>
+              <a:t>import</a:t>
+            </a:r>
+            <a:endParaRPr lang="en-US" altLang="zh-CN"/>
           </a:p>
         </p:txBody>
       </p:sp>
@@ -9685,7 +9674,7 @@
           <a:p>
             <a:r>
               <a:rPr lang="zh-CN" altLang="en-US"/>
-              <a:t>课后练习</a:t>
+              <a:t>控制画笔绘制状态的函数</a:t>
             </a:r>
             <a:endParaRPr lang="zh-CN" altLang="en-US"/>
           </a:p>
@@ -9705,9 +9694,44 @@
         <p:txBody>
           <a:bodyPr/>
           <a:p>
-            <a:pPr marL="0" indent="0">
-              <a:buNone/>
-            </a:pPr>
+            <a:r>
+              <a:rPr lang="en-US" altLang="zh-CN"/>
+              <a:t>pendown()</a:t>
+            </a:r>
+            <a:r>
+              <a:rPr lang="zh-CN" altLang="en-US"/>
+              <a:t>放下画笔，移到指定点后继续绘制</a:t>
+            </a:r>
+            <a:endParaRPr lang="zh-CN" altLang="en-US"/>
+          </a:p>
+          <a:p>
+            <a:r>
+              <a:rPr lang="en-US" altLang="zh-CN"/>
+              <a:t>penup()</a:t>
+            </a:r>
+            <a:r>
+              <a:rPr lang="zh-CN" altLang="en-US"/>
+              <a:t>提起画笔，用于另起一个地方绘制时用，与</a:t>
+            </a:r>
+            <a:r>
+              <a:rPr lang="en-US" altLang="zh-CN"/>
+              <a:t>pendown()</a:t>
+            </a:r>
+            <a:r>
+              <a:rPr lang="zh-CN" altLang="en-US"/>
+              <a:t>配对使用</a:t>
+            </a:r>
+            <a:endParaRPr lang="zh-CN" altLang="en-US"/>
+          </a:p>
+          <a:p>
+            <a:r>
+              <a:rPr lang="en-US" altLang="zh-CN"/>
+              <a:t>pensize()</a:t>
+            </a:r>
+            <a:r>
+              <a:rPr lang="zh-CN" altLang="en-US"/>
+              <a:t>设置画笔线条的粗细为指定大小</a:t>
+            </a:r>
             <a:endParaRPr lang="zh-CN" altLang="en-US"/>
           </a:p>
         </p:txBody>
@@ -9744,6 +9768,14 @@
         <p:txBody>
           <a:bodyPr/>
           <a:p>
+            <a:r>
+              <a:rPr lang="en-US" altLang="zh-CN"/>
+              <a:t>Turtle </a:t>
+            </a:r>
+            <a:r>
+              <a:rPr lang="zh-CN" altLang="en-US"/>
+              <a:t>颜色填充</a:t>
+            </a:r>
             <a:endParaRPr lang="zh-CN" altLang="en-US"/>
           </a:p>
         </p:txBody>
@@ -9762,6 +9794,58 @@
         <p:txBody>
           <a:bodyPr/>
           <a:p>
+            <a:r>
+              <a:rPr lang="en-US" altLang="zh-CN"/>
+              <a:t>color()</a:t>
+            </a:r>
+            <a:r>
+              <a:rPr lang="zh-CN" altLang="en-US"/>
+              <a:t>设置画笔颜色</a:t>
+            </a:r>
+            <a:endParaRPr lang="zh-CN" altLang="en-US"/>
+          </a:p>
+          <a:p>
+            <a:r>
+              <a:rPr lang="en-US" altLang="zh-CN"/>
+              <a:t>begin_fill()</a:t>
+            </a:r>
+            <a:r>
+              <a:rPr lang="zh-CN" altLang="en-US"/>
+              <a:t>填充图形前，调用该方法</a:t>
+            </a:r>
+            <a:endParaRPr lang="zh-CN" altLang="en-US"/>
+          </a:p>
+          <a:p>
+            <a:r>
+              <a:rPr lang="en-US" altLang="zh-CN"/>
+              <a:t>end_fill()</a:t>
+            </a:r>
+            <a:r>
+              <a:rPr lang="zh-CN" altLang="en-US"/>
+              <a:t>填充图形结束</a:t>
+            </a:r>
+            <a:endParaRPr lang="zh-CN" altLang="en-US"/>
+          </a:p>
+          <a:p>
+            <a:r>
+              <a:rPr lang="en-US" altLang="zh-CN"/>
+              <a:t>clear()</a:t>
+            </a:r>
+            <a:r>
+              <a:rPr lang="zh-CN" altLang="en-US"/>
+              <a:t>清空当前窗口，但是不改变当前画笔位置</a:t>
+            </a:r>
+            <a:endParaRPr lang="zh-CN" altLang="en-US"/>
+          </a:p>
+          <a:p>
+            <a:r>
+              <a:rPr lang="en-US" altLang="zh-CN"/>
+              <a:t>reset()</a:t>
+            </a:r>
+            <a:r>
+              <a:rPr lang="zh-CN" altLang="en-US"/>
+              <a:t>清空当前窗口，并重置位置等状态为默认值</a:t>
+            </a:r>
             <a:endParaRPr lang="zh-CN" altLang="en-US"/>
           </a:p>
         </p:txBody>
@@ -9798,6 +9882,10 @@
         <p:txBody>
           <a:bodyPr/>
           <a:p>
+            <a:r>
+              <a:rPr lang="zh-CN" altLang="en-US"/>
+              <a:t>运动函数与状态函数的区别</a:t>
+            </a:r>
             <a:endParaRPr lang="zh-CN" altLang="en-US"/>
           </a:p>
         </p:txBody>
@@ -9814,9 +9902,78 @@
         </p:nvSpPr>
         <p:spPr/>
         <p:txBody>
-          <a:bodyPr/>
-          <a:p>
-            <a:endParaRPr lang="zh-CN" altLang="en-US"/>
+          <a:bodyPr>
+            <a:normAutofit lnSpcReduction="20000"/>
+          </a:bodyPr>
+          <a:p>
+            <a:r>
+              <a:rPr lang="zh-CN" altLang="en-US"/>
+              <a:t>分辨以下函数，哪些为运动函数，哪些为状态函数</a:t>
+            </a:r>
+            <a:endParaRPr lang="zh-CN" altLang="en-US"/>
+          </a:p>
+          <a:p>
+            <a:r>
+              <a:rPr lang="en-US" altLang="zh-CN"/>
+              <a:t>forward()</a:t>
+            </a:r>
+            <a:endParaRPr lang="en-US" altLang="zh-CN"/>
+          </a:p>
+          <a:p>
+            <a:r>
+              <a:rPr lang="en-US" altLang="zh-CN"/>
+              <a:t>backward()</a:t>
+            </a:r>
+            <a:endParaRPr lang="en-US" altLang="zh-CN"/>
+          </a:p>
+          <a:p>
+            <a:r>
+              <a:rPr lang="en-US" altLang="zh-CN"/>
+              <a:t>right()</a:t>
+            </a:r>
+            <a:endParaRPr lang="en-US" altLang="zh-CN"/>
+          </a:p>
+          <a:p>
+            <a:r>
+              <a:rPr lang="en-US" altLang="zh-CN"/>
+              <a:t>left()</a:t>
+            </a:r>
+            <a:endParaRPr lang="en-US" altLang="zh-CN"/>
+          </a:p>
+          <a:p>
+            <a:r>
+              <a:rPr lang="en-US" altLang="zh-CN"/>
+              <a:t>home()</a:t>
+            </a:r>
+            <a:endParaRPr lang="en-US" altLang="zh-CN"/>
+          </a:p>
+          <a:p>
+            <a:r>
+              <a:rPr lang="en-US" altLang="zh-CN"/>
+              <a:t>pendown()</a:t>
+            </a:r>
+            <a:endParaRPr lang="en-US" altLang="zh-CN"/>
+          </a:p>
+          <a:p>
+            <a:r>
+              <a:rPr lang="en-US" altLang="zh-CN"/>
+              <a:t>penup()</a:t>
+            </a:r>
+            <a:endParaRPr lang="en-US" altLang="zh-CN"/>
+          </a:p>
+          <a:p>
+            <a:r>
+              <a:rPr lang="en-US" altLang="zh-CN"/>
+              <a:t>pensize()</a:t>
+            </a:r>
+            <a:endParaRPr lang="en-US" altLang="zh-CN"/>
+          </a:p>
+          <a:p>
+            <a:r>
+              <a:rPr lang="en-US" altLang="zh-CN"/>
+              <a:t>color()</a:t>
+            </a:r>
+            <a:endParaRPr lang="en-US" altLang="zh-CN"/>
           </a:p>
         </p:txBody>
       </p:sp>
@@ -9852,7 +10009,39 @@
         <p:txBody>
           <a:bodyPr/>
           <a:p>
-            <a:endParaRPr lang="zh-CN" altLang="en-US"/>
+            <a:r>
+              <a:rPr lang="zh-CN" altLang="en-US">
+                <a:ln w="22225">
+                  <a:solidFill>
+                    <a:schemeClr val="accent2"/>
+                  </a:solidFill>
+                  <a:prstDash val="solid"/>
+                </a:ln>
+                <a:solidFill>
+                  <a:schemeClr val="accent2">
+                    <a:lumMod val="40000"/>
+                    <a:lumOff val="60000"/>
+                  </a:schemeClr>
+                </a:solidFill>
+                <a:effectLst/>
+              </a:rPr>
+              <a:t>开启编程之旅</a:t>
+            </a:r>
+            <a:endParaRPr lang="zh-CN" altLang="en-US">
+              <a:ln w="22225">
+                <a:solidFill>
+                  <a:schemeClr val="accent2"/>
+                </a:solidFill>
+                <a:prstDash val="solid"/>
+              </a:ln>
+              <a:solidFill>
+                <a:schemeClr val="accent2">
+                  <a:lumMod val="40000"/>
+                  <a:lumOff val="60000"/>
+                </a:schemeClr>
+              </a:solidFill>
+              <a:effectLst/>
+            </a:endParaRPr>
           </a:p>
         </p:txBody>
       </p:sp>
@@ -9906,6 +10095,10 @@
         <p:txBody>
           <a:bodyPr/>
           <a:p>
+            <a:r>
+              <a:rPr lang="zh-CN" altLang="en-US"/>
+              <a:t>课后练习</a:t>
+            </a:r>
             <a:endParaRPr lang="zh-CN" altLang="en-US"/>
           </a:p>
         </p:txBody>
@@ -9924,6 +10117,9 @@
         <p:txBody>
           <a:bodyPr/>
           <a:p>
+            <a:pPr marL="0" indent="0">
+              <a:buNone/>
+            </a:pPr>
             <a:endParaRPr lang="zh-CN" altLang="en-US"/>
           </a:p>
         </p:txBody>
@@ -11465,6 +11661,222 @@
 </file>
 
 <file path=ppt/slides/slide54.xml><?xml version="1.0" encoding="utf-8"?>
+<p:sld xmlns:a="http://schemas.openxmlformats.org/drawingml/2006/main" xmlns:r="http://schemas.openxmlformats.org/officeDocument/2006/relationships" xmlns:p="http://schemas.openxmlformats.org/presentationml/2006/main">
+  <p:cSld>
+    <p:spTree>
+      <p:nvGrpSpPr>
+        <p:cNvPr id="1" name=""/>
+        <p:cNvGrpSpPr/>
+        <p:nvPr/>
+      </p:nvGrpSpPr>
+      <p:grpSpPr/>
+      <p:sp>
+        <p:nvSpPr>
+          <p:cNvPr id="2" name="标题 1"/>
+          <p:cNvSpPr>
+            <a:spLocks noGrp="1"/>
+          </p:cNvSpPr>
+          <p:nvPr>
+            <p:ph type="title"/>
+          </p:nvPr>
+        </p:nvSpPr>
+        <p:spPr/>
+        <p:txBody>
+          <a:bodyPr/>
+          <a:p>
+            <a:endParaRPr lang="zh-CN" altLang="en-US"/>
+          </a:p>
+        </p:txBody>
+      </p:sp>
+      <p:sp>
+        <p:nvSpPr>
+          <p:cNvPr id="3" name="内容占位符 2"/>
+          <p:cNvSpPr>
+            <a:spLocks noGrp="1"/>
+          </p:cNvSpPr>
+          <p:nvPr>
+            <p:ph idx="1"/>
+          </p:nvPr>
+        </p:nvSpPr>
+        <p:spPr/>
+        <p:txBody>
+          <a:bodyPr/>
+          <a:p>
+            <a:endParaRPr lang="zh-CN" altLang="en-US"/>
+          </a:p>
+        </p:txBody>
+      </p:sp>
+    </p:spTree>
+  </p:cSld>
+  <p:clrMapOvr>
+    <a:masterClrMapping/>
+  </p:clrMapOvr>
+</p:sld>
+</file>
+
+<file path=ppt/slides/slide55.xml><?xml version="1.0" encoding="utf-8"?>
+<p:sld xmlns:a="http://schemas.openxmlformats.org/drawingml/2006/main" xmlns:r="http://schemas.openxmlformats.org/officeDocument/2006/relationships" xmlns:p="http://schemas.openxmlformats.org/presentationml/2006/main">
+  <p:cSld>
+    <p:spTree>
+      <p:nvGrpSpPr>
+        <p:cNvPr id="1" name=""/>
+        <p:cNvGrpSpPr/>
+        <p:nvPr/>
+      </p:nvGrpSpPr>
+      <p:grpSpPr/>
+      <p:sp>
+        <p:nvSpPr>
+          <p:cNvPr id="2" name="标题 1"/>
+          <p:cNvSpPr>
+            <a:spLocks noGrp="1"/>
+          </p:cNvSpPr>
+          <p:nvPr>
+            <p:ph type="title"/>
+          </p:nvPr>
+        </p:nvSpPr>
+        <p:spPr/>
+        <p:txBody>
+          <a:bodyPr/>
+          <a:p>
+            <a:endParaRPr lang="zh-CN" altLang="en-US"/>
+          </a:p>
+        </p:txBody>
+      </p:sp>
+      <p:sp>
+        <p:nvSpPr>
+          <p:cNvPr id="3" name="内容占位符 2"/>
+          <p:cNvSpPr>
+            <a:spLocks noGrp="1"/>
+          </p:cNvSpPr>
+          <p:nvPr>
+            <p:ph idx="1"/>
+          </p:nvPr>
+        </p:nvSpPr>
+        <p:spPr/>
+        <p:txBody>
+          <a:bodyPr/>
+          <a:p>
+            <a:endParaRPr lang="zh-CN" altLang="en-US"/>
+          </a:p>
+        </p:txBody>
+      </p:sp>
+    </p:spTree>
+  </p:cSld>
+  <p:clrMapOvr>
+    <a:masterClrMapping/>
+  </p:clrMapOvr>
+</p:sld>
+</file>
+
+<file path=ppt/slides/slide56.xml><?xml version="1.0" encoding="utf-8"?>
+<p:sld xmlns:a="http://schemas.openxmlformats.org/drawingml/2006/main" xmlns:r="http://schemas.openxmlformats.org/officeDocument/2006/relationships" xmlns:p="http://schemas.openxmlformats.org/presentationml/2006/main">
+  <p:cSld>
+    <p:spTree>
+      <p:nvGrpSpPr>
+        <p:cNvPr id="1" name=""/>
+        <p:cNvGrpSpPr/>
+        <p:nvPr/>
+      </p:nvGrpSpPr>
+      <p:grpSpPr/>
+      <p:sp>
+        <p:nvSpPr>
+          <p:cNvPr id="2" name="标题 1"/>
+          <p:cNvSpPr>
+            <a:spLocks noGrp="1"/>
+          </p:cNvSpPr>
+          <p:nvPr>
+            <p:ph type="title"/>
+          </p:nvPr>
+        </p:nvSpPr>
+        <p:spPr/>
+        <p:txBody>
+          <a:bodyPr/>
+          <a:p>
+            <a:endParaRPr lang="zh-CN" altLang="en-US"/>
+          </a:p>
+        </p:txBody>
+      </p:sp>
+      <p:sp>
+        <p:nvSpPr>
+          <p:cNvPr id="3" name="内容占位符 2"/>
+          <p:cNvSpPr>
+            <a:spLocks noGrp="1"/>
+          </p:cNvSpPr>
+          <p:nvPr>
+            <p:ph idx="1"/>
+          </p:nvPr>
+        </p:nvSpPr>
+        <p:spPr/>
+        <p:txBody>
+          <a:bodyPr/>
+          <a:p>
+            <a:endParaRPr lang="zh-CN" altLang="en-US"/>
+          </a:p>
+        </p:txBody>
+      </p:sp>
+    </p:spTree>
+  </p:cSld>
+  <p:clrMapOvr>
+    <a:masterClrMapping/>
+  </p:clrMapOvr>
+</p:sld>
+</file>
+
+<file path=ppt/slides/slide57.xml><?xml version="1.0" encoding="utf-8"?>
+<p:sld xmlns:a="http://schemas.openxmlformats.org/drawingml/2006/main" xmlns:r="http://schemas.openxmlformats.org/officeDocument/2006/relationships" xmlns:p="http://schemas.openxmlformats.org/presentationml/2006/main">
+  <p:cSld>
+    <p:spTree>
+      <p:nvGrpSpPr>
+        <p:cNvPr id="1" name=""/>
+        <p:cNvGrpSpPr/>
+        <p:nvPr/>
+      </p:nvGrpSpPr>
+      <p:grpSpPr/>
+      <p:sp>
+        <p:nvSpPr>
+          <p:cNvPr id="2" name="标题 1"/>
+          <p:cNvSpPr>
+            <a:spLocks noGrp="1"/>
+          </p:cNvSpPr>
+          <p:nvPr>
+            <p:ph type="title"/>
+          </p:nvPr>
+        </p:nvSpPr>
+        <p:spPr/>
+        <p:txBody>
+          <a:bodyPr/>
+          <a:p>
+            <a:endParaRPr lang="zh-CN" altLang="en-US"/>
+          </a:p>
+        </p:txBody>
+      </p:sp>
+      <p:sp>
+        <p:nvSpPr>
+          <p:cNvPr id="3" name="内容占位符 2"/>
+          <p:cNvSpPr>
+            <a:spLocks noGrp="1"/>
+          </p:cNvSpPr>
+          <p:nvPr>
+            <p:ph idx="1"/>
+          </p:nvPr>
+        </p:nvSpPr>
+        <p:spPr/>
+        <p:txBody>
+          <a:bodyPr/>
+          <a:p>
+            <a:endParaRPr lang="zh-CN" altLang="en-US"/>
+          </a:p>
+        </p:txBody>
+      </p:sp>
+    </p:spTree>
+  </p:cSld>
+  <p:clrMapOvr>
+    <a:masterClrMapping/>
+  </p:clrMapOvr>
+</p:sld>
+</file>
+
+<file path=ppt/slides/slide58.xml><?xml version="1.0" encoding="utf-8"?>
 <p:sld xmlns:a="http://schemas.openxmlformats.org/drawingml/2006/main" xmlns:r="http://schemas.openxmlformats.org/officeDocument/2006/relationships" xmlns:p="http://schemas.openxmlformats.org/presentationml/2006/main">
   <p:cSld>
     <p:spTree>

--- a/Python01.pptx
+++ b/Python01.pptx
@@ -9638,6 +9638,54 @@
             </a:r>
             <a:endParaRPr lang="en-US" altLang="zh-CN"/>
           </a:p>
+          <a:p>
+            <a:pPr algn="ctr"/>
+            <a:r>
+              <a:rPr lang="en-US" altLang="zh-CN"/>
+              <a:t>size</a:t>
+            </a:r>
+            <a:endParaRPr lang="en-US" altLang="zh-CN"/>
+          </a:p>
+          <a:p>
+            <a:pPr algn="ctr"/>
+            <a:r>
+              <a:rPr lang="en-US" altLang="zh-CN"/>
+              <a:t>clear</a:t>
+            </a:r>
+            <a:endParaRPr lang="en-US" altLang="zh-CN"/>
+          </a:p>
+          <a:p>
+            <a:pPr algn="ctr"/>
+            <a:r>
+              <a:rPr lang="en-US" altLang="zh-CN"/>
+              <a:t>reset</a:t>
+            </a:r>
+            <a:endParaRPr lang="en-US" altLang="zh-CN"/>
+          </a:p>
+          <a:p>
+            <a:pPr algn="ctr"/>
+            <a:r>
+              <a:rPr lang="en-US" altLang="zh-CN"/>
+              <a:t>begin</a:t>
+            </a:r>
+            <a:endParaRPr lang="en-US" altLang="zh-CN"/>
+          </a:p>
+          <a:p>
+            <a:pPr algn="ctr"/>
+            <a:r>
+              <a:rPr lang="en-US" altLang="zh-CN"/>
+              <a:t>end</a:t>
+            </a:r>
+            <a:endParaRPr lang="en-US" altLang="zh-CN"/>
+          </a:p>
+          <a:p>
+            <a:pPr algn="ctr"/>
+            <a:r>
+              <a:rPr lang="en-US" altLang="zh-CN"/>
+              <a:t>fill</a:t>
+            </a:r>
+            <a:endParaRPr lang="en-US" altLang="zh-CN"/>
+          </a:p>
         </p:txBody>
       </p:sp>
     </p:spTree>
